--- a/Discussions/Introduction.pptx
+++ b/Discussions/Introduction.pptx
@@ -5,32 +5,40 @@
     <p:sldMasterId id="2147483718" r:id="rId1"/>
   </p:sldMasterIdLst>
   <p:notesMasterIdLst>
-    <p:notesMasterId r:id="rId5"/>
+    <p:notesMasterId r:id="rId13"/>
   </p:notesMasterIdLst>
   <p:handoutMasterIdLst>
-    <p:handoutMasterId r:id="rId6"/>
+    <p:handoutMasterId r:id="rId14"/>
   </p:handoutMasterIdLst>
   <p:sldIdLst>
     <p:sldId id="257" r:id="rId2"/>
     <p:sldId id="280" r:id="rId3"/>
-    <p:sldId id="302" r:id="rId4"/>
+    <p:sldId id="260" r:id="rId4"/>
+    <p:sldId id="281" r:id="rId5"/>
+    <p:sldId id="282" r:id="rId6"/>
+    <p:sldId id="283" r:id="rId7"/>
+    <p:sldId id="284" r:id="rId8"/>
+    <p:sldId id="285" r:id="rId9"/>
+    <p:sldId id="304" r:id="rId10"/>
+    <p:sldId id="305" r:id="rId11"/>
+    <p:sldId id="303" r:id="rId12"/>
   </p:sldIdLst>
   <p:sldSz cx="12192000" cy="6858000"/>
   <p:notesSz cx="7315200" cy="9601200"/>
   <p:embeddedFontLst>
     <p:embeddedFont>
       <p:font typeface="Candara" panose="020E0502030303020204" pitchFamily="34" charset="0"/>
-      <p:regular r:id="rId7"/>
-      <p:bold r:id="rId8"/>
-      <p:italic r:id="rId9"/>
-      <p:boldItalic r:id="rId10"/>
+      <p:regular r:id="rId15"/>
+      <p:bold r:id="rId16"/>
+      <p:italic r:id="rId17"/>
+      <p:boldItalic r:id="rId18"/>
     </p:embeddedFont>
     <p:embeddedFont>
       <p:font typeface="Century Gothic" panose="020B0502020202020204" pitchFamily="34" charset="0"/>
-      <p:regular r:id="rId11"/>
-      <p:bold r:id="rId12"/>
-      <p:italic r:id="rId13"/>
-      <p:boldItalic r:id="rId14"/>
+      <p:regular r:id="rId19"/>
+      <p:bold r:id="rId20"/>
+      <p:italic r:id="rId21"/>
+      <p:boldItalic r:id="rId22"/>
     </p:embeddedFont>
   </p:embeddedFontLst>
   <p:defaultTextStyle>
@@ -1227,60 +1235,23 @@
       </p:grpSpPr>
       <p:sp>
         <p:nvSpPr>
-          <p:cNvPr id="2" name="Slide Image Placeholder 1"/>
-          <p:cNvSpPr>
-            <a:spLocks noGrp="1" noRot="1" noChangeAspect="1"/>
-          </p:cNvSpPr>
-          <p:nvPr>
-            <p:ph type="sldImg"/>
+          <p:cNvPr id="7" name="Rectangle 7"/>
+          <p:cNvSpPr>
+            <a:spLocks noGrp="1" noChangeArrowheads="1"/>
+          </p:cNvSpPr>
+          <p:nvPr>
+            <p:ph type="sldNum" sz="quarter" idx="5"/>
           </p:nvPr>
         </p:nvSpPr>
         <p:spPr>
-          <a:xfrm>
-            <a:off x="457200" y="720725"/>
-            <a:ext cx="6400800" cy="3600450"/>
-          </a:xfrm>
+          <a:ln/>
         </p:spPr>
-      </p:sp>
-      <p:sp>
-        <p:nvSpPr>
-          <p:cNvPr id="3" name="Notes Placeholder 2"/>
-          <p:cNvSpPr>
-            <a:spLocks noGrp="1"/>
-          </p:cNvSpPr>
-          <p:nvPr>
-            <p:ph type="body" idx="1"/>
-          </p:nvPr>
-        </p:nvSpPr>
-        <p:spPr/>
         <p:txBody>
           <a:bodyPr/>
           <a:lstStyle/>
           <a:p>
-            <a:r>
-              <a:rPr lang="en-US" dirty="0"/>
-              <a:t>We need the steps for getting started to be defined. </a:t>
-            </a:r>
-          </a:p>
-        </p:txBody>
-      </p:sp>
-      <p:sp>
-        <p:nvSpPr>
-          <p:cNvPr id="4" name="Slide Number Placeholder 3"/>
-          <p:cNvSpPr>
-            <a:spLocks noGrp="1"/>
-          </p:cNvSpPr>
-          <p:nvPr>
-            <p:ph type="sldNum" sz="quarter" idx="5"/>
-          </p:nvPr>
-        </p:nvSpPr>
-        <p:spPr/>
-        <p:txBody>
-          <a:bodyPr/>
-          <a:lstStyle/>
-          <a:p>
-            <a:fld id="{7913D7C8-1D10-4E5B-8A9B-B2BE7F2B7605}" type="slidenum">
-              <a:rPr lang="en-US" smtClean="0"/>
+            <a:fld id="{A69BD4C2-6548-41CB-A4CC-193E4A9222ED}" type="slidenum">
+              <a:rPr lang="en-US"/>
               <a:pPr/>
               <a:t>3</a:t>
             </a:fld>
@@ -1288,12 +1259,493 @@
           </a:p>
         </p:txBody>
       </p:sp>
+      <p:sp>
+        <p:nvSpPr>
+          <p:cNvPr id="16386" name="Rectangle 2"/>
+          <p:cNvSpPr>
+            <a:spLocks noGrp="1" noRot="1" noChangeAspect="1" noChangeArrowheads="1" noTextEdit="1"/>
+          </p:cNvSpPr>
+          <p:nvPr>
+            <p:ph type="sldImg"/>
+          </p:nvPr>
+        </p:nvSpPr>
+        <p:spPr>
+          <a:xfrm>
+            <a:off x="458788" y="720725"/>
+            <a:ext cx="6400800" cy="3600450"/>
+          </a:xfrm>
+          <a:ln/>
+        </p:spPr>
+      </p:sp>
+      <p:sp>
+        <p:nvSpPr>
+          <p:cNvPr id="16387" name="Rectangle 3"/>
+          <p:cNvSpPr>
+            <a:spLocks noGrp="1" noChangeArrowheads="1"/>
+          </p:cNvSpPr>
+          <p:nvPr>
+            <p:ph type="body" idx="1"/>
+          </p:nvPr>
+        </p:nvSpPr>
+        <p:spPr/>
+        <p:txBody>
+          <a:bodyPr/>
+          <a:lstStyle/>
+          <a:p>
+            <a:r>
+              <a:rPr lang="en-US"/>
+              <a:t>Realization that we were assuming that knowing how to build water treatment facilities in the US prepared students for tackling the problem anywhere on the planet.</a:t>
+            </a:r>
+          </a:p>
+          <a:p>
+            <a:r>
+              <a:rPr lang="en-US"/>
+              <a:t>Issues of scale and resources (human, capital)</a:t>
+            </a:r>
+          </a:p>
+        </p:txBody>
+      </p:sp>
     </p:spTree>
-    <p:extLst>
-      <p:ext uri="{BB962C8B-B14F-4D97-AF65-F5344CB8AC3E}">
-        <p14:creationId xmlns:p14="http://schemas.microsoft.com/office/powerpoint/2010/main" val="4032725914"/>
-      </p:ext>
-    </p:extLst>
+  </p:cSld>
+  <p:clrMapOvr>
+    <a:masterClrMapping/>
+  </p:clrMapOvr>
+</p:notes>
+</file>
+
+<file path=ppt/notesSlides/notesSlide4.xml><?xml version="1.0" encoding="utf-8"?>
+<p:notes xmlns:a="http://schemas.openxmlformats.org/drawingml/2006/main" xmlns:r="http://schemas.openxmlformats.org/officeDocument/2006/relationships" xmlns:p="http://schemas.openxmlformats.org/presentationml/2006/main">
+  <p:cSld>
+    <p:spTree>
+      <p:nvGrpSpPr>
+        <p:cNvPr id="1" name=""/>
+        <p:cNvGrpSpPr/>
+        <p:nvPr/>
+      </p:nvGrpSpPr>
+      <p:grpSpPr>
+        <a:xfrm>
+          <a:off x="0" y="0"/>
+          <a:ext cx="0" cy="0"/>
+          <a:chOff x="0" y="0"/>
+          <a:chExt cx="0" cy="0"/>
+        </a:xfrm>
+      </p:grpSpPr>
+      <p:sp>
+        <p:nvSpPr>
+          <p:cNvPr id="7" name="Rectangle 7"/>
+          <p:cNvSpPr>
+            <a:spLocks noGrp="1" noChangeArrowheads="1"/>
+          </p:cNvSpPr>
+          <p:nvPr>
+            <p:ph type="sldNum" sz="quarter" idx="5"/>
+          </p:nvPr>
+        </p:nvSpPr>
+        <p:spPr>
+          <a:ln/>
+        </p:spPr>
+        <p:txBody>
+          <a:bodyPr/>
+          <a:lstStyle/>
+          <a:p>
+            <a:fld id="{F87C024A-CB06-424F-8E2C-98F4A281D156}" type="slidenum">
+              <a:rPr lang="en-US"/>
+              <a:pPr/>
+              <a:t>4</a:t>
+            </a:fld>
+            <a:endParaRPr lang="en-US"/>
+          </a:p>
+        </p:txBody>
+      </p:sp>
+      <p:sp>
+        <p:nvSpPr>
+          <p:cNvPr id="59394" name="Rectangle 2"/>
+          <p:cNvSpPr>
+            <a:spLocks noGrp="1" noRot="1" noChangeAspect="1" noChangeArrowheads="1" noTextEdit="1"/>
+          </p:cNvSpPr>
+          <p:nvPr>
+            <p:ph type="sldImg"/>
+          </p:nvPr>
+        </p:nvSpPr>
+        <p:spPr>
+          <a:xfrm>
+            <a:off x="458788" y="720725"/>
+            <a:ext cx="6400800" cy="3600450"/>
+          </a:xfrm>
+          <a:ln/>
+        </p:spPr>
+      </p:sp>
+      <p:sp>
+        <p:nvSpPr>
+          <p:cNvPr id="59395" name="Rectangle 3"/>
+          <p:cNvSpPr>
+            <a:spLocks noGrp="1" noChangeArrowheads="1"/>
+          </p:cNvSpPr>
+          <p:nvPr>
+            <p:ph type="body" idx="1"/>
+          </p:nvPr>
+        </p:nvSpPr>
+        <p:spPr/>
+        <p:txBody>
+          <a:bodyPr/>
+          <a:lstStyle/>
+          <a:p>
+            <a:endParaRPr lang="es-HN"/>
+          </a:p>
+        </p:txBody>
+      </p:sp>
+    </p:spTree>
+  </p:cSld>
+  <p:clrMapOvr>
+    <a:masterClrMapping/>
+  </p:clrMapOvr>
+</p:notes>
+</file>
+
+<file path=ppt/notesSlides/notesSlide5.xml><?xml version="1.0" encoding="utf-8"?>
+<p:notes xmlns:a="http://schemas.openxmlformats.org/drawingml/2006/main" xmlns:r="http://schemas.openxmlformats.org/officeDocument/2006/relationships" xmlns:p="http://schemas.openxmlformats.org/presentationml/2006/main">
+  <p:cSld>
+    <p:spTree>
+      <p:nvGrpSpPr>
+        <p:cNvPr id="1" name=""/>
+        <p:cNvGrpSpPr/>
+        <p:nvPr/>
+      </p:nvGrpSpPr>
+      <p:grpSpPr>
+        <a:xfrm>
+          <a:off x="0" y="0"/>
+          <a:ext cx="0" cy="0"/>
+          <a:chOff x="0" y="0"/>
+          <a:chExt cx="0" cy="0"/>
+        </a:xfrm>
+      </p:grpSpPr>
+      <p:sp>
+        <p:nvSpPr>
+          <p:cNvPr id="7" name="Rectangle 7"/>
+          <p:cNvSpPr>
+            <a:spLocks noGrp="1" noChangeArrowheads="1"/>
+          </p:cNvSpPr>
+          <p:nvPr>
+            <p:ph type="sldNum" sz="quarter" idx="5"/>
+          </p:nvPr>
+        </p:nvSpPr>
+        <p:spPr>
+          <a:ln/>
+        </p:spPr>
+        <p:txBody>
+          <a:bodyPr/>
+          <a:lstStyle/>
+          <a:p>
+            <a:fld id="{FD5F6BC2-40B8-4370-9F70-DA74BEEB221D}" type="slidenum">
+              <a:rPr lang="en-US"/>
+              <a:pPr/>
+              <a:t>5</a:t>
+            </a:fld>
+            <a:endParaRPr lang="en-US"/>
+          </a:p>
+        </p:txBody>
+      </p:sp>
+      <p:sp>
+        <p:nvSpPr>
+          <p:cNvPr id="61442" name="Rectangle 2"/>
+          <p:cNvSpPr>
+            <a:spLocks noGrp="1" noRot="1" noChangeAspect="1" noChangeArrowheads="1" noTextEdit="1"/>
+          </p:cNvSpPr>
+          <p:nvPr>
+            <p:ph type="sldImg"/>
+          </p:nvPr>
+        </p:nvSpPr>
+        <p:spPr>
+          <a:xfrm>
+            <a:off x="458788" y="720725"/>
+            <a:ext cx="6400800" cy="3600450"/>
+          </a:xfrm>
+          <a:ln/>
+        </p:spPr>
+      </p:sp>
+      <p:sp>
+        <p:nvSpPr>
+          <p:cNvPr id="61443" name="Rectangle 3"/>
+          <p:cNvSpPr>
+            <a:spLocks noGrp="1" noChangeArrowheads="1"/>
+          </p:cNvSpPr>
+          <p:nvPr>
+            <p:ph type="body" idx="1"/>
+          </p:nvPr>
+        </p:nvSpPr>
+        <p:spPr/>
+        <p:txBody>
+          <a:bodyPr/>
+          <a:lstStyle/>
+          <a:p>
+            <a:endParaRPr lang="es-HN"/>
+          </a:p>
+        </p:txBody>
+      </p:sp>
+    </p:spTree>
+  </p:cSld>
+  <p:clrMapOvr>
+    <a:masterClrMapping/>
+  </p:clrMapOvr>
+</p:notes>
+</file>
+
+<file path=ppt/notesSlides/notesSlide6.xml><?xml version="1.0" encoding="utf-8"?>
+<p:notes xmlns:a="http://schemas.openxmlformats.org/drawingml/2006/main" xmlns:r="http://schemas.openxmlformats.org/officeDocument/2006/relationships" xmlns:p="http://schemas.openxmlformats.org/presentationml/2006/main">
+  <p:cSld>
+    <p:spTree>
+      <p:nvGrpSpPr>
+        <p:cNvPr id="1" name=""/>
+        <p:cNvGrpSpPr/>
+        <p:nvPr/>
+      </p:nvGrpSpPr>
+      <p:grpSpPr>
+        <a:xfrm>
+          <a:off x="0" y="0"/>
+          <a:ext cx="0" cy="0"/>
+          <a:chOff x="0" y="0"/>
+          <a:chExt cx="0" cy="0"/>
+        </a:xfrm>
+      </p:grpSpPr>
+      <p:sp>
+        <p:nvSpPr>
+          <p:cNvPr id="7" name="Rectangle 7"/>
+          <p:cNvSpPr>
+            <a:spLocks noGrp="1" noChangeArrowheads="1"/>
+          </p:cNvSpPr>
+          <p:nvPr>
+            <p:ph type="sldNum" sz="quarter" idx="5"/>
+          </p:nvPr>
+        </p:nvSpPr>
+        <p:spPr>
+          <a:ln/>
+        </p:spPr>
+        <p:txBody>
+          <a:bodyPr/>
+          <a:lstStyle/>
+          <a:p>
+            <a:fld id="{8B6AF750-1A31-4C94-980F-E0EB600ACBB7}" type="slidenum">
+              <a:rPr lang="en-US"/>
+              <a:pPr/>
+              <a:t>6</a:t>
+            </a:fld>
+            <a:endParaRPr lang="en-US"/>
+          </a:p>
+        </p:txBody>
+      </p:sp>
+      <p:sp>
+        <p:nvSpPr>
+          <p:cNvPr id="63490" name="Rectangle 2"/>
+          <p:cNvSpPr>
+            <a:spLocks noGrp="1" noRot="1" noChangeAspect="1" noChangeArrowheads="1" noTextEdit="1"/>
+          </p:cNvSpPr>
+          <p:nvPr>
+            <p:ph type="sldImg"/>
+          </p:nvPr>
+        </p:nvSpPr>
+        <p:spPr>
+          <a:xfrm>
+            <a:off x="458788" y="720725"/>
+            <a:ext cx="6400800" cy="3600450"/>
+          </a:xfrm>
+          <a:ln/>
+        </p:spPr>
+      </p:sp>
+      <p:sp>
+        <p:nvSpPr>
+          <p:cNvPr id="63491" name="Rectangle 3"/>
+          <p:cNvSpPr>
+            <a:spLocks noGrp="1" noChangeArrowheads="1"/>
+          </p:cNvSpPr>
+          <p:nvPr>
+            <p:ph type="body" idx="1"/>
+          </p:nvPr>
+        </p:nvSpPr>
+        <p:spPr/>
+        <p:txBody>
+          <a:bodyPr/>
+          <a:lstStyle/>
+          <a:p>
+            <a:endParaRPr lang="es-HN"/>
+          </a:p>
+        </p:txBody>
+      </p:sp>
+    </p:spTree>
+  </p:cSld>
+  <p:clrMapOvr>
+    <a:masterClrMapping/>
+  </p:clrMapOvr>
+</p:notes>
+</file>
+
+<file path=ppt/notesSlides/notesSlide7.xml><?xml version="1.0" encoding="utf-8"?>
+<p:notes xmlns:a="http://schemas.openxmlformats.org/drawingml/2006/main" xmlns:r="http://schemas.openxmlformats.org/officeDocument/2006/relationships" xmlns:p="http://schemas.openxmlformats.org/presentationml/2006/main">
+  <p:cSld>
+    <p:spTree>
+      <p:nvGrpSpPr>
+        <p:cNvPr id="1" name=""/>
+        <p:cNvGrpSpPr/>
+        <p:nvPr/>
+      </p:nvGrpSpPr>
+      <p:grpSpPr>
+        <a:xfrm>
+          <a:off x="0" y="0"/>
+          <a:ext cx="0" cy="0"/>
+          <a:chOff x="0" y="0"/>
+          <a:chExt cx="0" cy="0"/>
+        </a:xfrm>
+      </p:grpSpPr>
+      <p:sp>
+        <p:nvSpPr>
+          <p:cNvPr id="7" name="Rectangle 7"/>
+          <p:cNvSpPr>
+            <a:spLocks noGrp="1" noChangeArrowheads="1"/>
+          </p:cNvSpPr>
+          <p:nvPr>
+            <p:ph type="sldNum" sz="quarter" idx="5"/>
+          </p:nvPr>
+        </p:nvSpPr>
+        <p:spPr>
+          <a:ln/>
+        </p:spPr>
+        <p:txBody>
+          <a:bodyPr/>
+          <a:lstStyle/>
+          <a:p>
+            <a:fld id="{0EA9DB3C-8AF6-463E-973D-3273A238415E}" type="slidenum">
+              <a:rPr lang="en-US"/>
+              <a:pPr/>
+              <a:t>7</a:t>
+            </a:fld>
+            <a:endParaRPr lang="en-US"/>
+          </a:p>
+        </p:txBody>
+      </p:sp>
+      <p:sp>
+        <p:nvSpPr>
+          <p:cNvPr id="65538" name="Rectangle 2"/>
+          <p:cNvSpPr>
+            <a:spLocks noGrp="1" noRot="1" noChangeAspect="1" noChangeArrowheads="1" noTextEdit="1"/>
+          </p:cNvSpPr>
+          <p:nvPr>
+            <p:ph type="sldImg"/>
+          </p:nvPr>
+        </p:nvSpPr>
+        <p:spPr>
+          <a:xfrm>
+            <a:off x="458788" y="720725"/>
+            <a:ext cx="6400800" cy="3600450"/>
+          </a:xfrm>
+          <a:ln/>
+        </p:spPr>
+      </p:sp>
+      <p:sp>
+        <p:nvSpPr>
+          <p:cNvPr id="65539" name="Rectangle 3"/>
+          <p:cNvSpPr>
+            <a:spLocks noGrp="1" noChangeArrowheads="1"/>
+          </p:cNvSpPr>
+          <p:nvPr>
+            <p:ph type="body" idx="1"/>
+          </p:nvPr>
+        </p:nvSpPr>
+        <p:spPr/>
+        <p:txBody>
+          <a:bodyPr/>
+          <a:lstStyle/>
+          <a:p>
+            <a:endParaRPr lang="es-HN"/>
+          </a:p>
+        </p:txBody>
+      </p:sp>
+    </p:spTree>
+  </p:cSld>
+  <p:clrMapOvr>
+    <a:masterClrMapping/>
+  </p:clrMapOvr>
+</p:notes>
+</file>
+
+<file path=ppt/notesSlides/notesSlide8.xml><?xml version="1.0" encoding="utf-8"?>
+<p:notes xmlns:a="http://schemas.openxmlformats.org/drawingml/2006/main" xmlns:r="http://schemas.openxmlformats.org/officeDocument/2006/relationships" xmlns:p="http://schemas.openxmlformats.org/presentationml/2006/main">
+  <p:cSld>
+    <p:spTree>
+      <p:nvGrpSpPr>
+        <p:cNvPr id="1" name=""/>
+        <p:cNvGrpSpPr/>
+        <p:nvPr/>
+      </p:nvGrpSpPr>
+      <p:grpSpPr>
+        <a:xfrm>
+          <a:off x="0" y="0"/>
+          <a:ext cx="0" cy="0"/>
+          <a:chOff x="0" y="0"/>
+          <a:chExt cx="0" cy="0"/>
+        </a:xfrm>
+      </p:grpSpPr>
+      <p:sp>
+        <p:nvSpPr>
+          <p:cNvPr id="7" name="Rectangle 7"/>
+          <p:cNvSpPr>
+            <a:spLocks noGrp="1" noChangeArrowheads="1"/>
+          </p:cNvSpPr>
+          <p:nvPr>
+            <p:ph type="sldNum" sz="quarter" idx="5"/>
+          </p:nvPr>
+        </p:nvSpPr>
+        <p:spPr>
+          <a:ln/>
+        </p:spPr>
+        <p:txBody>
+          <a:bodyPr/>
+          <a:lstStyle/>
+          <a:p>
+            <a:fld id="{E3EBE005-C7D7-49D9-AFC5-0F962233361B}" type="slidenum">
+              <a:rPr lang="en-US"/>
+              <a:pPr/>
+              <a:t>8</a:t>
+            </a:fld>
+            <a:endParaRPr lang="en-US"/>
+          </a:p>
+        </p:txBody>
+      </p:sp>
+      <p:sp>
+        <p:nvSpPr>
+          <p:cNvPr id="67586" name="Rectangle 2"/>
+          <p:cNvSpPr>
+            <a:spLocks noGrp="1" noRot="1" noChangeAspect="1" noChangeArrowheads="1" noTextEdit="1"/>
+          </p:cNvSpPr>
+          <p:nvPr>
+            <p:ph type="sldImg"/>
+          </p:nvPr>
+        </p:nvSpPr>
+        <p:spPr>
+          <a:xfrm>
+            <a:off x="458788" y="720725"/>
+            <a:ext cx="6400800" cy="3600450"/>
+          </a:xfrm>
+          <a:ln/>
+        </p:spPr>
+      </p:sp>
+      <p:sp>
+        <p:nvSpPr>
+          <p:cNvPr id="67587" name="Rectangle 3"/>
+          <p:cNvSpPr>
+            <a:spLocks noGrp="1" noChangeArrowheads="1"/>
+          </p:cNvSpPr>
+          <p:nvPr>
+            <p:ph type="body" idx="1"/>
+          </p:nvPr>
+        </p:nvSpPr>
+        <p:spPr/>
+        <p:txBody>
+          <a:bodyPr/>
+          <a:lstStyle/>
+          <a:p>
+            <a:endParaRPr lang="es-HN"/>
+          </a:p>
+        </p:txBody>
+      </p:sp>
+    </p:spTree>
   </p:cSld>
   <p:clrMapOvr>
     <a:masterClrMapping/>
@@ -2687,7 +3139,7 @@
           <a:p>
             <a:fld id="{216E0E02-55D8-4A62-964B-783B05293A72}" type="datetimeFigureOut">
               <a:rPr lang="es-HN" smtClean="0"/>
-              <a:t>14/12/2022</a:t>
+              <a:t>9/1/2023</a:t>
             </a:fld>
             <a:endParaRPr lang="es-HN"/>
           </a:p>
@@ -3816,6 +4268,227 @@
 </p:sld>
 </file>
 
+<file path=ppt/slides/slide10.xml><?xml version="1.0" encoding="utf-8"?>
+<p:sld xmlns:a="http://schemas.openxmlformats.org/drawingml/2006/main" xmlns:r="http://schemas.openxmlformats.org/officeDocument/2006/relationships" xmlns:p="http://schemas.openxmlformats.org/presentationml/2006/main">
+  <p:cSld>
+    <p:spTree>
+      <p:nvGrpSpPr>
+        <p:cNvPr id="1" name=""/>
+        <p:cNvGrpSpPr/>
+        <p:nvPr/>
+      </p:nvGrpSpPr>
+      <p:grpSpPr>
+        <a:xfrm>
+          <a:off x="0" y="0"/>
+          <a:ext cx="0" cy="0"/>
+          <a:chOff x="0" y="0"/>
+          <a:chExt cx="0" cy="0"/>
+        </a:xfrm>
+      </p:grpSpPr>
+      <p:sp>
+        <p:nvSpPr>
+          <p:cNvPr id="2" name="Title 1">
+            <a:extLst>
+              <a:ext uri="{FF2B5EF4-FFF2-40B4-BE49-F238E27FC236}">
+                <a16:creationId xmlns:a16="http://schemas.microsoft.com/office/drawing/2014/main" id="{B117B0E3-DBF2-4898-B43F-2AE6B83D8997}"/>
+              </a:ext>
+            </a:extLst>
+          </p:cNvPr>
+          <p:cNvSpPr>
+            <a:spLocks noGrp="1"/>
+          </p:cNvSpPr>
+          <p:nvPr>
+            <p:ph type="title"/>
+          </p:nvPr>
+        </p:nvSpPr>
+        <p:spPr/>
+        <p:txBody>
+          <a:bodyPr/>
+          <a:lstStyle/>
+          <a:p>
+            <a:endParaRPr lang="en-US"/>
+          </a:p>
+        </p:txBody>
+      </p:sp>
+      <p:sp>
+        <p:nvSpPr>
+          <p:cNvPr id="3" name="Content Placeholder 2">
+            <a:extLst>
+              <a:ext uri="{FF2B5EF4-FFF2-40B4-BE49-F238E27FC236}">
+                <a16:creationId xmlns:a16="http://schemas.microsoft.com/office/drawing/2014/main" id="{448DBEA4-7D1E-4C4B-A5A9-14AAE9146DA5}"/>
+              </a:ext>
+            </a:extLst>
+          </p:cNvPr>
+          <p:cNvSpPr>
+            <a:spLocks noGrp="1"/>
+          </p:cNvSpPr>
+          <p:nvPr>
+            <p:ph idx="1"/>
+          </p:nvPr>
+        </p:nvSpPr>
+        <p:spPr/>
+        <p:txBody>
+          <a:bodyPr/>
+          <a:lstStyle/>
+          <a:p>
+            <a:endParaRPr lang="en-US"/>
+          </a:p>
+        </p:txBody>
+      </p:sp>
+      <p:pic>
+        <p:nvPicPr>
+          <p:cNvPr id="4" name="Picture 3">
+            <a:extLst>
+              <a:ext uri="{FF2B5EF4-FFF2-40B4-BE49-F238E27FC236}">
+                <a16:creationId xmlns:a16="http://schemas.microsoft.com/office/drawing/2014/main" id="{4D6C3BC3-DBA7-4146-8E88-372485ACBA4C}"/>
+              </a:ext>
+            </a:extLst>
+          </p:cNvPr>
+          <p:cNvPicPr>
+            <a:picLocks noChangeAspect="1"/>
+          </p:cNvPicPr>
+          <p:nvPr/>
+        </p:nvPicPr>
+        <p:blipFill>
+          <a:blip r:embed="rId2"/>
+          <a:stretch>
+            <a:fillRect/>
+          </a:stretch>
+        </p:blipFill>
+        <p:spPr>
+          <a:xfrm>
+            <a:off x="0" y="-976769"/>
+            <a:ext cx="12192001" cy="8811538"/>
+          </a:xfrm>
+          <a:prstGeom prst="rect">
+            <a:avLst/>
+          </a:prstGeom>
+        </p:spPr>
+      </p:pic>
+    </p:spTree>
+    <p:extLst>
+      <p:ext uri="{BB962C8B-B14F-4D97-AF65-F5344CB8AC3E}">
+        <p14:creationId xmlns:p14="http://schemas.microsoft.com/office/powerpoint/2010/main" val="2840746468"/>
+      </p:ext>
+    </p:extLst>
+  </p:cSld>
+  <p:clrMapOvr>
+    <a:masterClrMapping/>
+  </p:clrMapOvr>
+  <p:transition>
+    <p:fade/>
+  </p:transition>
+</p:sld>
+</file>
+
+<file path=ppt/slides/slide11.xml><?xml version="1.0" encoding="utf-8"?>
+<p:sld xmlns:a="http://schemas.openxmlformats.org/drawingml/2006/main" xmlns:r="http://schemas.openxmlformats.org/officeDocument/2006/relationships" xmlns:p="http://schemas.openxmlformats.org/presentationml/2006/main">
+  <p:cSld>
+    <p:spTree>
+      <p:nvGrpSpPr>
+        <p:cNvPr id="1" name=""/>
+        <p:cNvGrpSpPr/>
+        <p:nvPr/>
+      </p:nvGrpSpPr>
+      <p:grpSpPr>
+        <a:xfrm>
+          <a:off x="0" y="0"/>
+          <a:ext cx="0" cy="0"/>
+          <a:chOff x="0" y="0"/>
+          <a:chExt cx="0" cy="0"/>
+        </a:xfrm>
+      </p:grpSpPr>
+      <p:sp>
+        <p:nvSpPr>
+          <p:cNvPr id="2" name="Title 1">
+            <a:extLst>
+              <a:ext uri="{FF2B5EF4-FFF2-40B4-BE49-F238E27FC236}">
+                <a16:creationId xmlns:a16="http://schemas.microsoft.com/office/drawing/2014/main" id="{DC72AF90-36AE-4E94-A6F9-E2DC2FBDBBBB}"/>
+              </a:ext>
+            </a:extLst>
+          </p:cNvPr>
+          <p:cNvSpPr>
+            <a:spLocks noGrp="1"/>
+          </p:cNvSpPr>
+          <p:nvPr>
+            <p:ph type="title"/>
+          </p:nvPr>
+        </p:nvSpPr>
+        <p:spPr/>
+        <p:txBody>
+          <a:bodyPr/>
+          <a:lstStyle/>
+          <a:p>
+            <a:r>
+              <a:rPr lang="en-US" dirty="0"/>
+              <a:t>Today’s agenda in Gather</a:t>
+            </a:r>
+          </a:p>
+        </p:txBody>
+      </p:sp>
+      <p:sp>
+        <p:nvSpPr>
+          <p:cNvPr id="3" name="Content Placeholder 2">
+            <a:extLst>
+              <a:ext uri="{FF2B5EF4-FFF2-40B4-BE49-F238E27FC236}">
+                <a16:creationId xmlns:a16="http://schemas.microsoft.com/office/drawing/2014/main" id="{CD493713-8032-459B-A8BF-1833DEC8B5E2}"/>
+              </a:ext>
+            </a:extLst>
+          </p:cNvPr>
+          <p:cNvSpPr>
+            <a:spLocks noGrp="1"/>
+          </p:cNvSpPr>
+          <p:nvPr>
+            <p:ph idx="1"/>
+          </p:nvPr>
+        </p:nvSpPr>
+        <p:spPr/>
+        <p:txBody>
+          <a:bodyPr/>
+          <a:lstStyle/>
+          <a:p>
+            <a:r>
+              <a:rPr lang="en-US" dirty="0"/>
+              <a:t>Gather around a table (numbered 1 to 15) with at least one other person</a:t>
+            </a:r>
+          </a:p>
+          <a:p>
+            <a:r>
+              <a:rPr lang="en-US" dirty="0"/>
+              <a:t>Begin working on Part Studios Assignment</a:t>
+            </a:r>
+          </a:p>
+          <a:p>
+            <a:pPr lvl="1"/>
+            <a:r>
+              <a:rPr lang="en-US" dirty="0">
+                <a:hlinkClick r:id="rId2"/>
+              </a:rPr>
+              <a:t>https://github.com/AguaClara/SWOT/wiki/Part-Studios</a:t>
+            </a:r>
+            <a:r>
+              <a:rPr lang="en-US" dirty="0"/>
+              <a:t> </a:t>
+            </a:r>
+          </a:p>
+        </p:txBody>
+      </p:sp>
+    </p:spTree>
+    <p:extLst>
+      <p:ext uri="{BB962C8B-B14F-4D97-AF65-F5344CB8AC3E}">
+        <p14:creationId xmlns:p14="http://schemas.microsoft.com/office/powerpoint/2010/main" val="3615551982"/>
+      </p:ext>
+    </p:extLst>
+  </p:cSld>
+  <p:clrMapOvr>
+    <a:masterClrMapping/>
+  </p:clrMapOvr>
+  <p:transition>
+    <p:fade/>
+  </p:transition>
+</p:sld>
+</file>
+
 <file path=ppt/slides/slide2.xml><?xml version="1.0" encoding="utf-8"?>
 <p:sld xmlns:a="http://schemas.openxmlformats.org/drawingml/2006/main" xmlns:r="http://schemas.openxmlformats.org/officeDocument/2006/relationships" xmlns:p="http://schemas.openxmlformats.org/presentationml/2006/main">
   <p:cSld>
@@ -3893,18 +4566,22 @@
           <a:p>
             <a:pPr lvl="1"/>
             <a:r>
-              <a:rPr lang="en-US" sz="2200" dirty="0"/>
-              <a:t>https://github.com/AguaClara/SWOT/wiki/Syllabus</a:t>
-            </a:r>
-          </a:p>
-          <a:p>
+              <a:rPr lang="en-US" sz="2200" dirty="0">
+                <a:hlinkClick r:id="rId3"/>
+              </a:rPr>
+              <a:t>https://github.com/AguaClara/SWOT/wiki/Syllabus-OSU</a:t>
+            </a:r>
+            <a:endParaRPr lang="en-US" sz="2200" dirty="0"/>
+          </a:p>
+          <a:p>
+            <a:pPr lvl="1"/>
             <a:r>
               <a:rPr lang="en-US" sz="2700" dirty="0"/>
               <a:t>There is a textbook! </a:t>
             </a:r>
             <a:r>
               <a:rPr lang="en-US" sz="2700" dirty="0">
-                <a:hlinkClick r:id="rId3"/>
+                <a:hlinkClick r:id="rId4"/>
               </a:rPr>
               <a:t>https://aguaclara.github.io/Textbook/</a:t>
             </a:r>
@@ -3916,6 +4593,18 @@
           <a:p>
             <a:r>
               <a:rPr lang="en-US" sz="2700" dirty="0"/>
+              <a:t>View lectures and answer questions prior to class!</a:t>
+            </a:r>
+          </a:p>
+          <a:p>
+            <a:r>
+              <a:rPr lang="en-US" sz="2700" dirty="0"/>
+              <a:t>We will use class time for brief presentations and then work on assignments</a:t>
+            </a:r>
+          </a:p>
+          <a:p>
+            <a:r>
+              <a:rPr lang="en-US" sz="2700" dirty="0"/>
               <a:t>Design Challenges</a:t>
             </a:r>
           </a:p>
@@ -3930,26 +4619,13 @@
             <a:pPr lvl="1"/>
             <a:r>
               <a:rPr lang="en-US" sz="2300" dirty="0"/>
-              <a:t>Due on date listed on the course schedule!!!!</a:t>
+              <a:t>Due on date listed on the course schedule/syllabus!!!!</a:t>
             </a:r>
           </a:p>
           <a:p>
             <a:r>
               <a:rPr lang="en-US" sz="2700" dirty="0"/>
-              <a:t>Final Project Ideas (see https://github.com/AguaClara/SWOT/wiki/Ideas)</a:t>
-            </a:r>
-          </a:p>
-          <a:p>
-            <a:pPr lvl="1"/>
-            <a:r>
-              <a:rPr lang="en-US" sz="2300" dirty="0"/>
-              <a:t>Still evolving!</a:t>
-            </a:r>
-          </a:p>
-          <a:p>
-            <a:r>
-              <a:rPr lang="en-US" sz="2700" dirty="0"/>
-              <a:t>Office hours in a virtual office space</a:t>
+              <a:t>Meetings in a virtual office space</a:t>
             </a:r>
           </a:p>
           <a:p>
@@ -3976,7 +4652,7 @@
           <p:nvPr/>
         </p:nvPicPr>
         <p:blipFill>
-          <a:blip r:embed="rId4"/>
+          <a:blip r:embed="rId5"/>
           <a:stretch>
             <a:fillRect/>
           </a:stretch>
@@ -4021,7 +4697,603 @@
       </p:grpSpPr>
       <p:sp>
         <p:nvSpPr>
-          <p:cNvPr id="2" name="Title 1"/>
+          <p:cNvPr id="15362" name="Rectangle 2"/>
+          <p:cNvSpPr>
+            <a:spLocks noGrp="1" noChangeArrowheads="1"/>
+          </p:cNvSpPr>
+          <p:nvPr>
+            <p:ph type="title"/>
+          </p:nvPr>
+        </p:nvSpPr>
+        <p:spPr/>
+        <p:txBody>
+          <a:bodyPr/>
+          <a:lstStyle/>
+          <a:p>
+            <a:r>
+              <a:rPr lang="en-US"/>
+              <a:t>Why am I teaching this course?</a:t>
+            </a:r>
+          </a:p>
+        </p:txBody>
+      </p:sp>
+      <p:sp>
+        <p:nvSpPr>
+          <p:cNvPr id="15363" name="Rectangle 3"/>
+          <p:cNvSpPr>
+            <a:spLocks noGrp="1" noChangeArrowheads="1"/>
+          </p:cNvSpPr>
+          <p:nvPr>
+            <p:ph idx="1"/>
+          </p:nvPr>
+        </p:nvSpPr>
+        <p:spPr/>
+        <p:txBody>
+          <a:bodyPr/>
+          <a:lstStyle/>
+          <a:p>
+            <a:r>
+              <a:rPr lang="en-US" dirty="0"/>
+              <a:t>Experience in refugee camps in </a:t>
+            </a:r>
+            <a:br>
+              <a:rPr lang="en-US" dirty="0"/>
+            </a:br>
+            <a:r>
+              <a:rPr lang="en-US" dirty="0"/>
+              <a:t>Honduras in 1982-83</a:t>
+            </a:r>
+          </a:p>
+          <a:p>
+            <a:r>
+              <a:rPr lang="en-US" dirty="0"/>
+              <a:t>The spark of interest: What makes </a:t>
+            </a:r>
+            <a:br>
+              <a:rPr lang="en-US" dirty="0"/>
+            </a:br>
+            <a:r>
+              <a:rPr lang="en-US" dirty="0"/>
+              <a:t>slow sand filters work? (no one knew!)</a:t>
+            </a:r>
+          </a:p>
+          <a:p>
+            <a:r>
+              <a:rPr lang="en-US" dirty="0"/>
+              <a:t>Invitation to begin a water project in Latin America (12/2002)</a:t>
+            </a:r>
+          </a:p>
+          <a:p>
+            <a:r>
+              <a:rPr lang="en-US" dirty="0"/>
+              <a:t>The realization that what I had been taught wasn’t up to the challenge of solving the big global challenge of providing safe drinking water on tap to communities</a:t>
+            </a:r>
+          </a:p>
+          <a:p>
+            <a:r>
+              <a:rPr lang="en-US" dirty="0"/>
+              <a:t>I’ve been teaching this course since 2004 and it changes every time!</a:t>
+            </a:r>
+          </a:p>
+          <a:p>
+            <a:endParaRPr lang="en-US" dirty="0"/>
+          </a:p>
+        </p:txBody>
+      </p:sp>
+      <p:pic>
+        <p:nvPicPr>
+          <p:cNvPr id="15364" name="Picture 4" descr="Slide 8">
+            <a:hlinkClick r:id="rId3" action="ppaction://hlinksldjump"/>
+          </p:cNvPr>
+          <p:cNvPicPr>
+            <a:picLocks noChangeAspect="1" noChangeArrowheads="1"/>
+          </p:cNvPicPr>
+          <p:nvPr/>
+        </p:nvPicPr>
+        <p:blipFill>
+          <a:blip r:embed="rId4" cstate="print"/>
+          <a:srcRect/>
+          <a:stretch>
+            <a:fillRect/>
+          </a:stretch>
+        </p:blipFill>
+        <p:spPr bwMode="auto">
+          <a:xfrm>
+            <a:off x="8458200" y="1692442"/>
+            <a:ext cx="2735158" cy="2056795"/>
+          </a:xfrm>
+          <a:prstGeom prst="rect">
+            <a:avLst/>
+          </a:prstGeom>
+          <a:noFill/>
+        </p:spPr>
+      </p:pic>
+    </p:spTree>
+  </p:cSld>
+  <p:clrMapOvr>
+    <a:masterClrMapping/>
+  </p:clrMapOvr>
+  <p:transition>
+    <p:fade/>
+  </p:transition>
+</p:sld>
+</file>
+
+<file path=ppt/slides/slide4.xml><?xml version="1.0" encoding="utf-8"?>
+<p:sld xmlns:a="http://schemas.openxmlformats.org/drawingml/2006/main" xmlns:r="http://schemas.openxmlformats.org/officeDocument/2006/relationships" xmlns:p="http://schemas.openxmlformats.org/presentationml/2006/main">
+  <p:cSld>
+    <p:spTree>
+      <p:nvGrpSpPr>
+        <p:cNvPr id="1" name=""/>
+        <p:cNvGrpSpPr/>
+        <p:nvPr/>
+      </p:nvGrpSpPr>
+      <p:grpSpPr>
+        <a:xfrm>
+          <a:off x="0" y="0"/>
+          <a:ext cx="0" cy="0"/>
+          <a:chOff x="0" y="0"/>
+          <a:chExt cx="0" cy="0"/>
+        </a:xfrm>
+      </p:grpSpPr>
+      <p:pic>
+        <p:nvPicPr>
+          <p:cNvPr id="58370" name="Picture 2" descr="Slide 8"/>
+          <p:cNvPicPr>
+            <a:picLocks noChangeAspect="1" noChangeArrowheads="1"/>
+          </p:cNvPicPr>
+          <p:nvPr/>
+        </p:nvPicPr>
+        <p:blipFill>
+          <a:blip r:embed="rId3" cstate="print"/>
+          <a:srcRect/>
+          <a:stretch>
+            <a:fillRect/>
+          </a:stretch>
+        </p:blipFill>
+        <p:spPr bwMode="auto">
+          <a:xfrm>
+            <a:off x="0" y="-12701"/>
+            <a:ext cx="12192000" cy="9160933"/>
+          </a:xfrm>
+          <a:prstGeom prst="rect">
+            <a:avLst/>
+          </a:prstGeom>
+          <a:noFill/>
+        </p:spPr>
+      </p:pic>
+      <p:sp>
+        <p:nvSpPr>
+          <p:cNvPr id="58371" name="Rectangle 3"/>
+          <p:cNvSpPr>
+            <a:spLocks noGrp="1" noChangeArrowheads="1"/>
+          </p:cNvSpPr>
+          <p:nvPr>
+            <p:ph type="title"/>
+          </p:nvPr>
+        </p:nvSpPr>
+        <p:spPr/>
+        <p:txBody>
+          <a:bodyPr/>
+          <a:lstStyle/>
+          <a:p>
+            <a:r>
+              <a:rPr lang="en-US"/>
+              <a:t>Mesa Grande: Waiting for water</a:t>
+            </a:r>
+          </a:p>
+        </p:txBody>
+      </p:sp>
+    </p:spTree>
+  </p:cSld>
+  <p:clrMapOvr>
+    <a:masterClrMapping/>
+  </p:clrMapOvr>
+  <p:transition>
+    <p:fade/>
+  </p:transition>
+</p:sld>
+</file>
+
+<file path=ppt/slides/slide5.xml><?xml version="1.0" encoding="utf-8"?>
+<p:sld xmlns:a="http://schemas.openxmlformats.org/drawingml/2006/main" xmlns:r="http://schemas.openxmlformats.org/officeDocument/2006/relationships" xmlns:p="http://schemas.openxmlformats.org/presentationml/2006/main">
+  <p:cSld>
+    <p:spTree>
+      <p:nvGrpSpPr>
+        <p:cNvPr id="1" name=""/>
+        <p:cNvGrpSpPr/>
+        <p:nvPr/>
+      </p:nvGrpSpPr>
+      <p:grpSpPr>
+        <a:xfrm>
+          <a:off x="0" y="0"/>
+          <a:ext cx="0" cy="0"/>
+          <a:chOff x="0" y="0"/>
+          <a:chExt cx="0" cy="0"/>
+        </a:xfrm>
+      </p:grpSpPr>
+      <p:sp>
+        <p:nvSpPr>
+          <p:cNvPr id="60418" name="Rectangle 2"/>
+          <p:cNvSpPr>
+            <a:spLocks noGrp="1" noChangeArrowheads="1"/>
+          </p:cNvSpPr>
+          <p:nvPr>
+            <p:ph type="title"/>
+          </p:nvPr>
+        </p:nvSpPr>
+        <p:spPr/>
+        <p:txBody>
+          <a:bodyPr/>
+          <a:lstStyle/>
+          <a:p>
+            <a:r>
+              <a:rPr lang="en-US"/>
+              <a:t>Water in Colomoncagua</a:t>
+            </a:r>
+          </a:p>
+        </p:txBody>
+      </p:sp>
+      <p:pic>
+        <p:nvPicPr>
+          <p:cNvPr id="60419" name="Picture 3" descr="Slide 1"/>
+          <p:cNvPicPr>
+            <a:picLocks noChangeAspect="1" noChangeArrowheads="1"/>
+          </p:cNvPicPr>
+          <p:nvPr/>
+        </p:nvPicPr>
+        <p:blipFill>
+          <a:blip r:embed="rId3" cstate="print"/>
+          <a:srcRect/>
+          <a:stretch>
+            <a:fillRect/>
+          </a:stretch>
+        </p:blipFill>
+        <p:spPr bwMode="auto">
+          <a:xfrm>
+            <a:off x="0" y="-3175"/>
+            <a:ext cx="12192000" cy="9148233"/>
+          </a:xfrm>
+          <a:prstGeom prst="rect">
+            <a:avLst/>
+          </a:prstGeom>
+          <a:noFill/>
+        </p:spPr>
+      </p:pic>
+    </p:spTree>
+  </p:cSld>
+  <p:clrMapOvr>
+    <a:masterClrMapping/>
+  </p:clrMapOvr>
+  <p:transition>
+    <p:fade/>
+  </p:transition>
+</p:sld>
+</file>
+
+<file path=ppt/slides/slide6.xml><?xml version="1.0" encoding="utf-8"?>
+<p:sld xmlns:a="http://schemas.openxmlformats.org/drawingml/2006/main" xmlns:r="http://schemas.openxmlformats.org/officeDocument/2006/relationships" xmlns:p="http://schemas.openxmlformats.org/presentationml/2006/main">
+  <p:cSld>
+    <p:spTree>
+      <p:nvGrpSpPr>
+        <p:cNvPr id="1" name=""/>
+        <p:cNvGrpSpPr/>
+        <p:nvPr/>
+      </p:nvGrpSpPr>
+      <p:grpSpPr>
+        <a:xfrm>
+          <a:off x="0" y="0"/>
+          <a:ext cx="0" cy="0"/>
+          <a:chOff x="0" y="0"/>
+          <a:chExt cx="0" cy="0"/>
+        </a:xfrm>
+      </p:grpSpPr>
+      <p:sp>
+        <p:nvSpPr>
+          <p:cNvPr id="62466" name="Rectangle 2"/>
+          <p:cNvSpPr>
+            <a:spLocks noGrp="1" noChangeArrowheads="1"/>
+          </p:cNvSpPr>
+          <p:nvPr>
+            <p:ph type="title"/>
+          </p:nvPr>
+        </p:nvSpPr>
+        <p:spPr/>
+        <p:txBody>
+          <a:bodyPr/>
+          <a:lstStyle/>
+          <a:p>
+            <a:endParaRPr lang="es-HN"/>
+          </a:p>
+        </p:txBody>
+      </p:sp>
+      <p:sp>
+        <p:nvSpPr>
+          <p:cNvPr id="62467" name="Rectangle 3"/>
+          <p:cNvSpPr>
+            <a:spLocks noGrp="1" noChangeArrowheads="1"/>
+          </p:cNvSpPr>
+          <p:nvPr>
+            <p:ph idx="1"/>
+          </p:nvPr>
+        </p:nvSpPr>
+        <p:spPr/>
+        <p:txBody>
+          <a:bodyPr/>
+          <a:lstStyle/>
+          <a:p>
+            <a:endParaRPr lang="es-HN"/>
+          </a:p>
+        </p:txBody>
+      </p:sp>
+      <p:pic>
+        <p:nvPicPr>
+          <p:cNvPr id="62468" name="Picture 4"/>
+          <p:cNvPicPr>
+            <a:picLocks noChangeAspect="1" noChangeArrowheads="1"/>
+          </p:cNvPicPr>
+          <p:nvPr/>
+        </p:nvPicPr>
+        <p:blipFill>
+          <a:blip r:embed="rId3" cstate="print"/>
+          <a:srcRect/>
+          <a:stretch>
+            <a:fillRect/>
+          </a:stretch>
+        </p:blipFill>
+        <p:spPr bwMode="auto">
+          <a:xfrm>
+            <a:off x="0" y="0"/>
+            <a:ext cx="12192000" cy="9144000"/>
+          </a:xfrm>
+          <a:prstGeom prst="rect">
+            <a:avLst/>
+          </a:prstGeom>
+          <a:noFill/>
+          <a:ln w="12700">
+            <a:noFill/>
+            <a:miter lim="800000"/>
+            <a:headEnd type="none" w="lg" len="med"/>
+            <a:tailEnd type="none" w="lg" len="med"/>
+          </a:ln>
+          <a:effectLst/>
+        </p:spPr>
+      </p:pic>
+    </p:spTree>
+  </p:cSld>
+  <p:clrMapOvr>
+    <a:masterClrMapping/>
+  </p:clrMapOvr>
+  <p:transition>
+    <p:fade/>
+  </p:transition>
+</p:sld>
+</file>
+
+<file path=ppt/slides/slide7.xml><?xml version="1.0" encoding="utf-8"?>
+<p:sld xmlns:a="http://schemas.openxmlformats.org/drawingml/2006/main" xmlns:r="http://schemas.openxmlformats.org/officeDocument/2006/relationships" xmlns:p="http://schemas.openxmlformats.org/presentationml/2006/main">
+  <p:cSld>
+    <p:spTree>
+      <p:nvGrpSpPr>
+        <p:cNvPr id="1" name=""/>
+        <p:cNvGrpSpPr/>
+        <p:nvPr/>
+      </p:nvGrpSpPr>
+      <p:grpSpPr>
+        <a:xfrm>
+          <a:off x="0" y="0"/>
+          <a:ext cx="0" cy="0"/>
+          <a:chOff x="0" y="0"/>
+          <a:chExt cx="0" cy="0"/>
+        </a:xfrm>
+      </p:grpSpPr>
+      <p:sp>
+        <p:nvSpPr>
+          <p:cNvPr id="64514" name="Rectangle 2"/>
+          <p:cNvSpPr>
+            <a:spLocks noGrp="1" noChangeArrowheads="1"/>
+          </p:cNvSpPr>
+          <p:nvPr>
+            <p:ph type="title"/>
+          </p:nvPr>
+        </p:nvSpPr>
+        <p:spPr/>
+        <p:txBody>
+          <a:bodyPr/>
+          <a:lstStyle/>
+          <a:p>
+            <a:endParaRPr lang="es-HN"/>
+          </a:p>
+        </p:txBody>
+      </p:sp>
+      <p:sp>
+        <p:nvSpPr>
+          <p:cNvPr id="64515" name="Rectangle 3"/>
+          <p:cNvSpPr>
+            <a:spLocks noGrp="1" noChangeArrowheads="1"/>
+          </p:cNvSpPr>
+          <p:nvPr>
+            <p:ph idx="1"/>
+          </p:nvPr>
+        </p:nvSpPr>
+        <p:spPr/>
+        <p:txBody>
+          <a:bodyPr/>
+          <a:lstStyle/>
+          <a:p>
+            <a:endParaRPr lang="es-HN"/>
+          </a:p>
+        </p:txBody>
+      </p:sp>
+      <p:pic>
+        <p:nvPicPr>
+          <p:cNvPr id="64516" name="Picture 4"/>
+          <p:cNvPicPr>
+            <a:picLocks noChangeAspect="1" noChangeArrowheads="1"/>
+          </p:cNvPicPr>
+          <p:nvPr/>
+        </p:nvPicPr>
+        <p:blipFill>
+          <a:blip r:embed="rId3" cstate="print"/>
+          <a:srcRect/>
+          <a:stretch>
+            <a:fillRect/>
+          </a:stretch>
+        </p:blipFill>
+        <p:spPr bwMode="auto">
+          <a:xfrm>
+            <a:off x="0" y="0"/>
+            <a:ext cx="12192000" cy="9144000"/>
+          </a:xfrm>
+          <a:prstGeom prst="rect">
+            <a:avLst/>
+          </a:prstGeom>
+          <a:noFill/>
+          <a:ln w="12700">
+            <a:noFill/>
+            <a:miter lim="800000"/>
+            <a:headEnd type="none" w="lg" len="med"/>
+            <a:tailEnd type="none" w="lg" len="med"/>
+          </a:ln>
+          <a:effectLst/>
+        </p:spPr>
+      </p:pic>
+    </p:spTree>
+  </p:cSld>
+  <p:clrMapOvr>
+    <a:masterClrMapping/>
+  </p:clrMapOvr>
+  <p:transition>
+    <p:fade/>
+  </p:transition>
+</p:sld>
+</file>
+
+<file path=ppt/slides/slide8.xml><?xml version="1.0" encoding="utf-8"?>
+<p:sld xmlns:a="http://schemas.openxmlformats.org/drawingml/2006/main" xmlns:r="http://schemas.openxmlformats.org/officeDocument/2006/relationships" xmlns:p="http://schemas.openxmlformats.org/presentationml/2006/main">
+  <p:cSld>
+    <p:spTree>
+      <p:nvGrpSpPr>
+        <p:cNvPr id="1" name=""/>
+        <p:cNvGrpSpPr/>
+        <p:nvPr/>
+      </p:nvGrpSpPr>
+      <p:grpSpPr>
+        <a:xfrm>
+          <a:off x="0" y="0"/>
+          <a:ext cx="0" cy="0"/>
+          <a:chOff x="0" y="0"/>
+          <a:chExt cx="0" cy="0"/>
+        </a:xfrm>
+      </p:grpSpPr>
+      <p:sp>
+        <p:nvSpPr>
+          <p:cNvPr id="66562" name="Rectangle 2"/>
+          <p:cNvSpPr>
+            <a:spLocks noGrp="1" noChangeArrowheads="1"/>
+          </p:cNvSpPr>
+          <p:nvPr>
+            <p:ph type="title"/>
+          </p:nvPr>
+        </p:nvSpPr>
+        <p:spPr/>
+        <p:txBody>
+          <a:bodyPr/>
+          <a:lstStyle/>
+          <a:p>
+            <a:endParaRPr lang="es-HN"/>
+          </a:p>
+        </p:txBody>
+      </p:sp>
+      <p:sp>
+        <p:nvSpPr>
+          <p:cNvPr id="66563" name="Rectangle 3"/>
+          <p:cNvSpPr>
+            <a:spLocks noGrp="1" noChangeArrowheads="1"/>
+          </p:cNvSpPr>
+          <p:nvPr>
+            <p:ph idx="1"/>
+          </p:nvPr>
+        </p:nvSpPr>
+        <p:spPr/>
+        <p:txBody>
+          <a:bodyPr/>
+          <a:lstStyle/>
+          <a:p>
+            <a:endParaRPr lang="es-HN"/>
+          </a:p>
+        </p:txBody>
+      </p:sp>
+      <p:pic>
+        <p:nvPicPr>
+          <p:cNvPr id="66564" name="Picture 4"/>
+          <p:cNvPicPr>
+            <a:picLocks noChangeAspect="1" noChangeArrowheads="1"/>
+          </p:cNvPicPr>
+          <p:nvPr/>
+        </p:nvPicPr>
+        <p:blipFill>
+          <a:blip r:embed="rId3" cstate="print"/>
+          <a:srcRect/>
+          <a:stretch>
+            <a:fillRect/>
+          </a:stretch>
+        </p:blipFill>
+        <p:spPr bwMode="auto">
+          <a:xfrm>
+            <a:off x="0" y="0"/>
+            <a:ext cx="12192000" cy="9144000"/>
+          </a:xfrm>
+          <a:prstGeom prst="rect">
+            <a:avLst/>
+          </a:prstGeom>
+          <a:noFill/>
+          <a:ln w="12700">
+            <a:noFill/>
+            <a:miter lim="800000"/>
+            <a:headEnd type="none" w="lg" len="med"/>
+            <a:tailEnd type="none" w="lg" len="med"/>
+          </a:ln>
+          <a:effectLst/>
+        </p:spPr>
+      </p:pic>
+    </p:spTree>
+  </p:cSld>
+  <p:clrMapOvr>
+    <a:masterClrMapping/>
+  </p:clrMapOvr>
+  <p:transition>
+    <p:fade/>
+  </p:transition>
+</p:sld>
+</file>
+
+<file path=ppt/slides/slide9.xml><?xml version="1.0" encoding="utf-8"?>
+<p:sld xmlns:a="http://schemas.openxmlformats.org/drawingml/2006/main" xmlns:r="http://schemas.openxmlformats.org/officeDocument/2006/relationships" xmlns:p="http://schemas.openxmlformats.org/presentationml/2006/main">
+  <p:cSld>
+    <p:spTree>
+      <p:nvGrpSpPr>
+        <p:cNvPr id="1" name=""/>
+        <p:cNvGrpSpPr/>
+        <p:nvPr/>
+      </p:nvGrpSpPr>
+      <p:grpSpPr>
+        <a:xfrm>
+          <a:off x="0" y="0"/>
+          <a:ext cx="0" cy="0"/>
+          <a:chOff x="0" y="0"/>
+          <a:chExt cx="0" cy="0"/>
+        </a:xfrm>
+      </p:grpSpPr>
+      <p:sp>
+        <p:nvSpPr>
+          <p:cNvPr id="2" name="Title 1">
+            <a:extLst>
+              <a:ext uri="{FF2B5EF4-FFF2-40B4-BE49-F238E27FC236}">
+                <a16:creationId xmlns:a16="http://schemas.microsoft.com/office/drawing/2014/main" id="{3AECBB4B-4F2D-44F5-AEF1-7C0275A48742}"/>
+              </a:ext>
+            </a:extLst>
+          </p:cNvPr>
           <p:cNvSpPr>
             <a:spLocks noGrp="1"/>
           </p:cNvSpPr>
@@ -4036,14 +5308,20 @@
           <a:p>
             <a:r>
               <a:rPr lang="en-US" dirty="0"/>
-              <a:t>First Assignment</a:t>
-            </a:r>
-          </a:p>
-        </p:txBody>
-      </p:sp>
-      <p:sp>
-        <p:nvSpPr>
-          <p:cNvPr id="3" name="Content Placeholder 2"/>
+              <a:t>AguaClara</a:t>
+            </a:r>
+          </a:p>
+        </p:txBody>
+      </p:sp>
+      <p:sp>
+        <p:nvSpPr>
+          <p:cNvPr id="3" name="Content Placeholder 2">
+            <a:extLst>
+              <a:ext uri="{FF2B5EF4-FFF2-40B4-BE49-F238E27FC236}">
+                <a16:creationId xmlns:a16="http://schemas.microsoft.com/office/drawing/2014/main" id="{6431D224-AF52-4206-AB37-6E8B322E16D9}"/>
+              </a:ext>
+            </a:extLst>
+          </p:cNvPr>
           <p:cNvSpPr>
             <a:spLocks noGrp="1"/>
           </p:cNvSpPr>
@@ -4058,29 +5336,34 @@
           <a:p>
             <a:r>
               <a:rPr lang="en-US" dirty="0"/>
-              <a:t>Learn how to use </a:t>
-            </a:r>
-            <a:r>
-              <a:rPr lang="en-US" dirty="0" err="1"/>
-              <a:t>Onshape</a:t>
-            </a:r>
+              <a:t>Founded in 2005</a:t>
+            </a:r>
+          </a:p>
+          <a:p>
             <a:r>
               <a:rPr lang="en-US" dirty="0"/>
-              <a:t> as a CAD environment by January 20!</a:t>
+              <a:t>Using the scientific method to learn</a:t>
             </a:r>
           </a:p>
           <a:p>
             <a:r>
               <a:rPr lang="en-US" dirty="0"/>
-              <a:t>Start TODAY! (see Part Studios Design Challenge)</a:t>
-            </a:r>
-          </a:p>
-          <a:p>
-            <a:pPr lvl="1"/>
-            <a:r>
-              <a:rPr lang="en-US"/>
-              <a:t>https://github.com/AguaClara/SWOT/wiki/Part-Studios</a:t>
-            </a:r>
+              <a:t>Continuous learning based on laboratory research and experience designing, building, and operating AguaClara water treatment plants</a:t>
+            </a:r>
+          </a:p>
+          <a:p>
+            <a:r>
+              <a:rPr lang="en-US" dirty="0"/>
+              <a:t>Starting from the understanding that existing community scale water treatment systems weren’t good enough</a:t>
+            </a:r>
+          </a:p>
+          <a:p>
+            <a:r>
+              <a:rPr lang="en-US" dirty="0"/>
+              <a:t>Reflective, Agile, and grounded in Listening with Empathy</a:t>
+            </a:r>
+          </a:p>
+          <a:p>
             <a:endParaRPr lang="en-US" dirty="0"/>
           </a:p>
         </p:txBody>
@@ -4088,7 +5371,7 @@
     </p:spTree>
     <p:extLst>
       <p:ext uri="{BB962C8B-B14F-4D97-AF65-F5344CB8AC3E}">
-        <p14:creationId xmlns:p14="http://schemas.microsoft.com/office/powerpoint/2010/main" val="1616348246"/>
+        <p14:creationId xmlns:p14="http://schemas.microsoft.com/office/powerpoint/2010/main" val="2007636143"/>
       </p:ext>
     </p:extLst>
   </p:cSld>
@@ -4098,6 +5381,284 @@
   <p:transition>
     <p:fade/>
   </p:transition>
+  <p:timing>
+    <p:tnLst>
+      <p:par>
+        <p:cTn id="1" dur="indefinite" restart="never" nodeType="tmRoot">
+          <p:childTnLst>
+            <p:seq concurrent="1" nextAc="seek">
+              <p:cTn id="2" dur="indefinite" nodeType="mainSeq">
+                <p:childTnLst>
+                  <p:par>
+                    <p:cTn id="3" fill="hold">
+                      <p:stCondLst>
+                        <p:cond delay="indefinite"/>
+                      </p:stCondLst>
+                      <p:childTnLst>
+                        <p:par>
+                          <p:cTn id="4" fill="hold">
+                            <p:stCondLst>
+                              <p:cond delay="0"/>
+                            </p:stCondLst>
+                            <p:childTnLst>
+                              <p:par>
+                                <p:cTn id="5" presetID="1" presetClass="entr" presetSubtype="0" fill="hold" grpId="0" nodeType="clickEffect">
+                                  <p:stCondLst>
+                                    <p:cond delay="0"/>
+                                  </p:stCondLst>
+                                  <p:childTnLst>
+                                    <p:set>
+                                      <p:cBhvr>
+                                        <p:cTn id="6" dur="1" fill="hold">
+                                          <p:stCondLst>
+                                            <p:cond delay="0"/>
+                                          </p:stCondLst>
+                                        </p:cTn>
+                                        <p:tgtEl>
+                                          <p:spTgt spid="3">
+                                            <p:txEl>
+                                              <p:pRg st="0" end="0"/>
+                                            </p:txEl>
+                                          </p:spTgt>
+                                        </p:tgtEl>
+                                        <p:attrNameLst>
+                                          <p:attrName>style.visibility</p:attrName>
+                                        </p:attrNameLst>
+                                      </p:cBhvr>
+                                      <p:to>
+                                        <p:strVal val="visible"/>
+                                      </p:to>
+                                    </p:set>
+                                  </p:childTnLst>
+                                </p:cTn>
+                              </p:par>
+                            </p:childTnLst>
+                          </p:cTn>
+                        </p:par>
+                      </p:childTnLst>
+                    </p:cTn>
+                  </p:par>
+                  <p:par>
+                    <p:cTn id="7" fill="hold">
+                      <p:stCondLst>
+                        <p:cond delay="indefinite"/>
+                      </p:stCondLst>
+                      <p:childTnLst>
+                        <p:par>
+                          <p:cTn id="8" fill="hold">
+                            <p:stCondLst>
+                              <p:cond delay="0"/>
+                            </p:stCondLst>
+                            <p:childTnLst>
+                              <p:par>
+                                <p:cTn id="9" presetID="1" presetClass="entr" presetSubtype="0" fill="hold" grpId="0" nodeType="clickEffect">
+                                  <p:stCondLst>
+                                    <p:cond delay="0"/>
+                                  </p:stCondLst>
+                                  <p:childTnLst>
+                                    <p:set>
+                                      <p:cBhvr>
+                                        <p:cTn id="10" dur="1" fill="hold">
+                                          <p:stCondLst>
+                                            <p:cond delay="0"/>
+                                          </p:stCondLst>
+                                        </p:cTn>
+                                        <p:tgtEl>
+                                          <p:spTgt spid="3">
+                                            <p:txEl>
+                                              <p:pRg st="1" end="1"/>
+                                            </p:txEl>
+                                          </p:spTgt>
+                                        </p:tgtEl>
+                                        <p:attrNameLst>
+                                          <p:attrName>style.visibility</p:attrName>
+                                        </p:attrNameLst>
+                                      </p:cBhvr>
+                                      <p:to>
+                                        <p:strVal val="visible"/>
+                                      </p:to>
+                                    </p:set>
+                                  </p:childTnLst>
+                                </p:cTn>
+                              </p:par>
+                            </p:childTnLst>
+                          </p:cTn>
+                        </p:par>
+                      </p:childTnLst>
+                    </p:cTn>
+                  </p:par>
+                  <p:par>
+                    <p:cTn id="11" fill="hold">
+                      <p:stCondLst>
+                        <p:cond delay="indefinite"/>
+                      </p:stCondLst>
+                      <p:childTnLst>
+                        <p:par>
+                          <p:cTn id="12" fill="hold">
+                            <p:stCondLst>
+                              <p:cond delay="0"/>
+                            </p:stCondLst>
+                            <p:childTnLst>
+                              <p:par>
+                                <p:cTn id="13" presetID="1" presetClass="entr" presetSubtype="0" fill="hold" grpId="0" nodeType="clickEffect">
+                                  <p:stCondLst>
+                                    <p:cond delay="0"/>
+                                  </p:stCondLst>
+                                  <p:childTnLst>
+                                    <p:set>
+                                      <p:cBhvr>
+                                        <p:cTn id="14" dur="1" fill="hold">
+                                          <p:stCondLst>
+                                            <p:cond delay="0"/>
+                                          </p:stCondLst>
+                                        </p:cTn>
+                                        <p:tgtEl>
+                                          <p:spTgt spid="3">
+                                            <p:txEl>
+                                              <p:pRg st="2" end="2"/>
+                                            </p:txEl>
+                                          </p:spTgt>
+                                        </p:tgtEl>
+                                        <p:attrNameLst>
+                                          <p:attrName>style.visibility</p:attrName>
+                                        </p:attrNameLst>
+                                      </p:cBhvr>
+                                      <p:to>
+                                        <p:strVal val="visible"/>
+                                      </p:to>
+                                    </p:set>
+                                  </p:childTnLst>
+                                </p:cTn>
+                              </p:par>
+                            </p:childTnLst>
+                          </p:cTn>
+                        </p:par>
+                      </p:childTnLst>
+                    </p:cTn>
+                  </p:par>
+                  <p:par>
+                    <p:cTn id="15" fill="hold">
+                      <p:stCondLst>
+                        <p:cond delay="indefinite"/>
+                      </p:stCondLst>
+                      <p:childTnLst>
+                        <p:par>
+                          <p:cTn id="16" fill="hold">
+                            <p:stCondLst>
+                              <p:cond delay="0"/>
+                            </p:stCondLst>
+                            <p:childTnLst>
+                              <p:par>
+                                <p:cTn id="17" presetID="1" presetClass="entr" presetSubtype="0" fill="hold" grpId="0" nodeType="clickEffect">
+                                  <p:stCondLst>
+                                    <p:cond delay="0"/>
+                                  </p:stCondLst>
+                                  <p:childTnLst>
+                                    <p:set>
+                                      <p:cBhvr>
+                                        <p:cTn id="18" dur="1" fill="hold">
+                                          <p:stCondLst>
+                                            <p:cond delay="0"/>
+                                          </p:stCondLst>
+                                        </p:cTn>
+                                        <p:tgtEl>
+                                          <p:spTgt spid="3">
+                                            <p:txEl>
+                                              <p:pRg st="3" end="3"/>
+                                            </p:txEl>
+                                          </p:spTgt>
+                                        </p:tgtEl>
+                                        <p:attrNameLst>
+                                          <p:attrName>style.visibility</p:attrName>
+                                        </p:attrNameLst>
+                                      </p:cBhvr>
+                                      <p:to>
+                                        <p:strVal val="visible"/>
+                                      </p:to>
+                                    </p:set>
+                                  </p:childTnLst>
+                                </p:cTn>
+                              </p:par>
+                            </p:childTnLst>
+                          </p:cTn>
+                        </p:par>
+                      </p:childTnLst>
+                    </p:cTn>
+                  </p:par>
+                  <p:par>
+                    <p:cTn id="19" fill="hold">
+                      <p:stCondLst>
+                        <p:cond delay="indefinite"/>
+                      </p:stCondLst>
+                      <p:childTnLst>
+                        <p:par>
+                          <p:cTn id="20" fill="hold">
+                            <p:stCondLst>
+                              <p:cond delay="0"/>
+                            </p:stCondLst>
+                            <p:childTnLst>
+                              <p:par>
+                                <p:cTn id="21" presetID="1" presetClass="entr" presetSubtype="0" fill="hold" grpId="0" nodeType="clickEffect">
+                                  <p:stCondLst>
+                                    <p:cond delay="0"/>
+                                  </p:stCondLst>
+                                  <p:childTnLst>
+                                    <p:set>
+                                      <p:cBhvr>
+                                        <p:cTn id="22" dur="1" fill="hold">
+                                          <p:stCondLst>
+                                            <p:cond delay="0"/>
+                                          </p:stCondLst>
+                                        </p:cTn>
+                                        <p:tgtEl>
+                                          <p:spTgt spid="3">
+                                            <p:txEl>
+                                              <p:pRg st="4" end="4"/>
+                                            </p:txEl>
+                                          </p:spTgt>
+                                        </p:tgtEl>
+                                        <p:attrNameLst>
+                                          <p:attrName>style.visibility</p:attrName>
+                                        </p:attrNameLst>
+                                      </p:cBhvr>
+                                      <p:to>
+                                        <p:strVal val="visible"/>
+                                      </p:to>
+                                    </p:set>
+                                  </p:childTnLst>
+                                </p:cTn>
+                              </p:par>
+                            </p:childTnLst>
+                          </p:cTn>
+                        </p:par>
+                      </p:childTnLst>
+                    </p:cTn>
+                  </p:par>
+                </p:childTnLst>
+              </p:cTn>
+              <p:prevCondLst>
+                <p:cond evt="onPrev" delay="0">
+                  <p:tgtEl>
+                    <p:sldTgt/>
+                  </p:tgtEl>
+                </p:cond>
+              </p:prevCondLst>
+              <p:nextCondLst>
+                <p:cond evt="onNext" delay="0">
+                  <p:tgtEl>
+                    <p:sldTgt/>
+                  </p:tgtEl>
+                </p:cond>
+              </p:nextCondLst>
+            </p:seq>
+          </p:childTnLst>
+        </p:cTn>
+      </p:par>
+    </p:tnLst>
+    <p:bldLst>
+      <p:bldP spid="3" grpId="0" build="p"/>
+    </p:bldLst>
+  </p:timing>
 </p:sld>
 </file>
 

--- a/Discussions/Introduction.pptx
+++ b/Discussions/Introduction.pptx
@@ -4522,16 +4522,10 @@
           <a:lstStyle/>
           <a:p>
             <a:r>
-              <a:rPr lang="en-US" dirty="0"/>
+              <a:rPr lang="en-US"/>
               <a:t>Course Organization</a:t>
             </a:r>
-            <a:br>
-              <a:rPr lang="en-US" dirty="0"/>
-            </a:br>
-            <a:r>
-              <a:rPr lang="en-US" dirty="0"/>
-              <a:t>Did you get the emails from me and Clare?</a:t>
-            </a:r>
+            <a:endParaRPr lang="en-US" dirty="0"/>
           </a:p>
         </p:txBody>
       </p:sp>

--- a/Discussions/Introduction.pptx
+++ b/Discussions/Introduction.pptx
@@ -5,10 +5,10 @@
     <p:sldMasterId id="2147483718" r:id="rId1"/>
   </p:sldMasterIdLst>
   <p:notesMasterIdLst>
-    <p:notesMasterId r:id="rId13"/>
+    <p:notesMasterId r:id="rId14"/>
   </p:notesMasterIdLst>
   <p:handoutMasterIdLst>
-    <p:handoutMasterId r:id="rId14"/>
+    <p:handoutMasterId r:id="rId15"/>
   </p:handoutMasterIdLst>
   <p:sldIdLst>
     <p:sldId id="257" r:id="rId2"/>
@@ -21,24 +21,25 @@
     <p:sldId id="285" r:id="rId9"/>
     <p:sldId id="304" r:id="rId10"/>
     <p:sldId id="305" r:id="rId11"/>
-    <p:sldId id="303" r:id="rId12"/>
+    <p:sldId id="306" r:id="rId12"/>
+    <p:sldId id="303" r:id="rId13"/>
   </p:sldIdLst>
   <p:sldSz cx="12192000" cy="6858000"/>
   <p:notesSz cx="7315200" cy="9601200"/>
   <p:embeddedFontLst>
     <p:embeddedFont>
       <p:font typeface="Candara" panose="020E0502030303020204" pitchFamily="34" charset="0"/>
-      <p:regular r:id="rId15"/>
-      <p:bold r:id="rId16"/>
-      <p:italic r:id="rId17"/>
-      <p:boldItalic r:id="rId18"/>
+      <p:regular r:id="rId16"/>
+      <p:bold r:id="rId17"/>
+      <p:italic r:id="rId18"/>
+      <p:boldItalic r:id="rId19"/>
     </p:embeddedFont>
     <p:embeddedFont>
       <p:font typeface="Century Gothic" panose="020B0502020202020204" pitchFamily="34" charset="0"/>
-      <p:regular r:id="rId19"/>
-      <p:bold r:id="rId20"/>
-      <p:italic r:id="rId21"/>
-      <p:boldItalic r:id="rId22"/>
+      <p:regular r:id="rId20"/>
+      <p:bold r:id="rId21"/>
+      <p:italic r:id="rId22"/>
+      <p:boldItalic r:id="rId23"/>
     </p:embeddedFont>
   </p:embeddedFontLst>
   <p:defaultTextStyle>
@@ -4382,6 +4383,95 @@
 </file>
 
 <file path=ppt/slides/slide11.xml><?xml version="1.0" encoding="utf-8"?>
+<p:sld xmlns:a="http://schemas.openxmlformats.org/drawingml/2006/main" xmlns:r="http://schemas.openxmlformats.org/officeDocument/2006/relationships" xmlns:p="http://schemas.openxmlformats.org/presentationml/2006/main">
+  <p:cSld>
+    <p:spTree>
+      <p:nvGrpSpPr>
+        <p:cNvPr id="1" name=""/>
+        <p:cNvGrpSpPr/>
+        <p:nvPr/>
+      </p:nvGrpSpPr>
+      <p:grpSpPr>
+        <a:xfrm>
+          <a:off x="0" y="0"/>
+          <a:ext cx="0" cy="0"/>
+          <a:chOff x="0" y="0"/>
+          <a:chExt cx="0" cy="0"/>
+        </a:xfrm>
+      </p:grpSpPr>
+      <p:sp>
+        <p:nvSpPr>
+          <p:cNvPr id="2" name="Title 1">
+            <a:extLst>
+              <a:ext uri="{FF2B5EF4-FFF2-40B4-BE49-F238E27FC236}">
+                <a16:creationId xmlns:a16="http://schemas.microsoft.com/office/drawing/2014/main" id="{C1622D7F-83D0-4EB9-A53B-8D2A7AAB0E51}"/>
+              </a:ext>
+            </a:extLst>
+          </p:cNvPr>
+          <p:cNvSpPr>
+            <a:spLocks noGrp="1"/>
+          </p:cNvSpPr>
+          <p:nvPr>
+            <p:ph type="title"/>
+          </p:nvPr>
+        </p:nvSpPr>
+        <p:spPr/>
+        <p:txBody>
+          <a:bodyPr/>
+          <a:lstStyle/>
+          <a:p>
+            <a:r>
+              <a:rPr lang="en-US" dirty="0"/>
+              <a:t>Introductions of teaching staff</a:t>
+            </a:r>
+          </a:p>
+        </p:txBody>
+      </p:sp>
+      <p:sp>
+        <p:nvSpPr>
+          <p:cNvPr id="3" name="Content Placeholder 2">
+            <a:extLst>
+              <a:ext uri="{FF2B5EF4-FFF2-40B4-BE49-F238E27FC236}">
+                <a16:creationId xmlns:a16="http://schemas.microsoft.com/office/drawing/2014/main" id="{58E0A24E-A9DB-4EFD-A3C3-405C59B37FB4}"/>
+              </a:ext>
+            </a:extLst>
+          </p:cNvPr>
+          <p:cNvSpPr>
+            <a:spLocks noGrp="1"/>
+          </p:cNvSpPr>
+          <p:nvPr>
+            <p:ph idx="1"/>
+          </p:nvPr>
+        </p:nvSpPr>
+        <p:spPr/>
+        <p:txBody>
+          <a:bodyPr/>
+          <a:lstStyle/>
+          <a:p>
+            <a:pPr marL="0" indent="0">
+              <a:buNone/>
+            </a:pPr>
+            <a:endParaRPr lang="en-US" dirty="0"/>
+          </a:p>
+        </p:txBody>
+      </p:sp>
+    </p:spTree>
+    <p:extLst>
+      <p:ext uri="{BB962C8B-B14F-4D97-AF65-F5344CB8AC3E}">
+        <p14:creationId xmlns:p14="http://schemas.microsoft.com/office/powerpoint/2010/main" val="550273471"/>
+      </p:ext>
+    </p:extLst>
+  </p:cSld>
+  <p:clrMapOvr>
+    <a:masterClrMapping/>
+  </p:clrMapOvr>
+  <p:transition>
+    <p:fade/>
+  </p:transition>
+</p:sld>
+</file>
+
+<file path=ppt/slides/slide12.xml><?xml version="1.0" encoding="utf-8"?>
 <p:sld xmlns:a="http://schemas.openxmlformats.org/drawingml/2006/main" xmlns:r="http://schemas.openxmlformats.org/officeDocument/2006/relationships" xmlns:p="http://schemas.openxmlformats.org/presentationml/2006/main">
   <p:cSld>
     <p:spTree>

--- a/Discussions/Introduction.pptx
+++ b/Discussions/Introduction.pptx
@@ -3140,7 +3140,7 @@
           <a:p>
             <a:fld id="{216E0E02-55D8-4A62-964B-783B05293A72}" type="datetimeFigureOut">
               <a:rPr lang="es-HN" smtClean="0"/>
-              <a:t>9/1/2023</a:t>
+              <a:t>10/1/2023</a:t>
             </a:fld>
             <a:endParaRPr lang="es-HN"/>
           </a:p>
@@ -4511,7 +4511,7 @@
           <a:p>
             <a:r>
               <a:rPr lang="en-US" dirty="0"/>
-              <a:t>Today’s agenda in Gather</a:t>
+              <a:t>Today’s agenda</a:t>
             </a:r>
           </a:p>
         </p:txBody>
@@ -4536,12 +4536,6 @@
         <p:txBody>
           <a:bodyPr/>
           <a:lstStyle/>
-          <a:p>
-            <a:r>
-              <a:rPr lang="en-US" dirty="0"/>
-              <a:t>Gather around a table (numbered 1 to 15) with at least one other person</a:t>
-            </a:r>
-          </a:p>
           <a:p>
             <a:r>
               <a:rPr lang="en-US" dirty="0"/>
@@ -4706,51 +4700,8 @@
               <a:t>Due on date listed on the course schedule/syllabus!!!!</a:t>
             </a:r>
           </a:p>
-          <a:p>
-            <a:r>
-              <a:rPr lang="en-US" sz="2700" dirty="0"/>
-              <a:t>Meetings in a virtual office space</a:t>
-            </a:r>
-          </a:p>
-          <a:p>
-            <a:pPr lvl="1"/>
-            <a:r>
-              <a:rPr lang="en-US" sz="2300" dirty="0"/>
-              <a:t>https://gather.town/app/Hc0kHX8CqY6qfMhl/AguaClaraReach</a:t>
-            </a:r>
-          </a:p>
-        </p:txBody>
-      </p:sp>
-      <p:pic>
-        <p:nvPicPr>
-          <p:cNvPr id="2" name="Picture 1">
-            <a:extLst>
-              <a:ext uri="{FF2B5EF4-FFF2-40B4-BE49-F238E27FC236}">
-                <a16:creationId xmlns:a16="http://schemas.microsoft.com/office/drawing/2014/main" id="{78D0B141-B8B5-4AE7-8759-052D93584379}"/>
-              </a:ext>
-            </a:extLst>
-          </p:cNvPr>
-          <p:cNvPicPr>
-            <a:picLocks noChangeAspect="1"/>
-          </p:cNvPicPr>
-          <p:nvPr/>
-        </p:nvPicPr>
-        <p:blipFill>
-          <a:blip r:embed="rId5"/>
-          <a:stretch>
-            <a:fillRect/>
-          </a:stretch>
-        </p:blipFill>
-        <p:spPr>
-          <a:xfrm>
-            <a:off x="9242230" y="4800600"/>
-            <a:ext cx="2492570" cy="1828800"/>
-          </a:xfrm>
-          <a:prstGeom prst="rect">
-            <a:avLst/>
-          </a:prstGeom>
-        </p:spPr>
-      </p:pic>
+        </p:txBody>
+      </p:sp>
     </p:spTree>
   </p:cSld>
   <p:clrMapOvr>

--- a/Discussions/Introduction.pptx
+++ b/Discussions/Introduction.pptx
@@ -12,16 +12,16 @@
   </p:handoutMasterIdLst>
   <p:sldIdLst>
     <p:sldId id="257" r:id="rId2"/>
-    <p:sldId id="280" r:id="rId3"/>
-    <p:sldId id="260" r:id="rId4"/>
-    <p:sldId id="281" r:id="rId5"/>
-    <p:sldId id="282" r:id="rId6"/>
-    <p:sldId id="283" r:id="rId7"/>
-    <p:sldId id="284" r:id="rId8"/>
-    <p:sldId id="285" r:id="rId9"/>
-    <p:sldId id="304" r:id="rId10"/>
-    <p:sldId id="305" r:id="rId11"/>
-    <p:sldId id="306" r:id="rId12"/>
+    <p:sldId id="306" r:id="rId3"/>
+    <p:sldId id="280" r:id="rId4"/>
+    <p:sldId id="260" r:id="rId5"/>
+    <p:sldId id="281" r:id="rId6"/>
+    <p:sldId id="282" r:id="rId7"/>
+    <p:sldId id="283" r:id="rId8"/>
+    <p:sldId id="284" r:id="rId9"/>
+    <p:sldId id="285" r:id="rId10"/>
+    <p:sldId id="304" r:id="rId11"/>
+    <p:sldId id="305" r:id="rId12"/>
     <p:sldId id="303" r:id="rId13"/>
   </p:sldIdLst>
   <p:sldSz cx="12192000" cy="6858000"/>
@@ -1030,7 +1030,7 @@
             <a:fld id="{8B8845AC-0209-4FA5-B9FE-E78A6BD860AA}" type="slidenum">
               <a:rPr lang="en-US"/>
               <a:pPr/>
-              <a:t>2</a:t>
+              <a:t>3</a:t>
             </a:fld>
             <a:endParaRPr lang="en-US"/>
           </a:p>
@@ -1254,7 +1254,7 @@
             <a:fld id="{A69BD4C2-6548-41CB-A4CC-193E4A9222ED}" type="slidenum">
               <a:rPr lang="en-US"/>
               <a:pPr/>
-              <a:t>3</a:t>
+              <a:t>4</a:t>
             </a:fld>
             <a:endParaRPr lang="en-US"/>
           </a:p>
@@ -1351,7 +1351,7 @@
             <a:fld id="{F87C024A-CB06-424F-8E2C-98F4A281D156}" type="slidenum">
               <a:rPr lang="en-US"/>
               <a:pPr/>
-              <a:t>4</a:t>
+              <a:t>5</a:t>
             </a:fld>
             <a:endParaRPr lang="en-US"/>
           </a:p>
@@ -1439,7 +1439,7 @@
             <a:fld id="{FD5F6BC2-40B8-4370-9F70-DA74BEEB221D}" type="slidenum">
               <a:rPr lang="en-US"/>
               <a:pPr/>
-              <a:t>5</a:t>
+              <a:t>6</a:t>
             </a:fld>
             <a:endParaRPr lang="en-US"/>
           </a:p>
@@ -1527,7 +1527,7 @@
             <a:fld id="{8B6AF750-1A31-4C94-980F-E0EB600ACBB7}" type="slidenum">
               <a:rPr lang="en-US"/>
               <a:pPr/>
-              <a:t>6</a:t>
+              <a:t>7</a:t>
             </a:fld>
             <a:endParaRPr lang="en-US"/>
           </a:p>
@@ -1615,7 +1615,7 @@
             <a:fld id="{0EA9DB3C-8AF6-463E-973D-3273A238415E}" type="slidenum">
               <a:rPr lang="en-US"/>
               <a:pPr/>
-              <a:t>7</a:t>
+              <a:t>8</a:t>
             </a:fld>
             <a:endParaRPr lang="en-US"/>
           </a:p>
@@ -1703,7 +1703,7 @@
             <a:fld id="{E3EBE005-C7D7-49D9-AFC5-0F962233361B}" type="slidenum">
               <a:rPr lang="en-US"/>
               <a:pPr/>
-              <a:t>8</a:t>
+              <a:t>9</a:t>
             </a:fld>
             <a:endParaRPr lang="en-US"/>
           </a:p>
@@ -4210,54 +4210,6 @@
           </a:p>
         </p:txBody>
       </p:sp>
-      <p:sp>
-        <p:nvSpPr>
-          <p:cNvPr id="9222" name="Rectangle 6"/>
-          <p:cNvSpPr>
-            <a:spLocks noChangeArrowheads="1"/>
-          </p:cNvSpPr>
-          <p:nvPr/>
-        </p:nvSpPr>
-        <p:spPr bwMode="auto">
-          <a:xfrm>
-            <a:off x="29737" y="5516411"/>
-            <a:ext cx="5251450" cy="1443619"/>
-          </a:xfrm>
-          <a:prstGeom prst="rect">
-            <a:avLst/>
-          </a:prstGeom>
-          <a:noFill/>
-          <a:ln w="12700">
-            <a:noFill/>
-            <a:miter lim="800000"/>
-            <a:headEnd type="none" w="lg" len="med"/>
-            <a:tailEnd type="none" w="lg" len="med"/>
-          </a:ln>
-          <a:effectLst/>
-        </p:spPr>
-        <p:txBody>
-          <a:bodyPr/>
-          <a:lstStyle/>
-          <a:p>
-            <a:pPr eaLnBrk="0" hangingPunct="0"/>
-            <a:r>
-              <a:rPr lang="en-US" sz="3600" dirty="0">
-                <a:latin typeface="Times New Roman" pitchFamily="18" charset="0"/>
-              </a:rPr>
-              <a:t>Monroe L. Weber-Shirk</a:t>
-            </a:r>
-          </a:p>
-          <a:p>
-            <a:pPr eaLnBrk="0" hangingPunct="0"/>
-            <a:r>
-              <a:rPr lang="en-US" sz="3600" dirty="0">
-                <a:latin typeface="Times New Roman" pitchFamily="18" charset="0"/>
-              </a:rPr>
-              <a:t>AguaClara Reach </a:t>
-            </a:r>
-          </a:p>
-        </p:txBody>
-      </p:sp>
     </p:spTree>
   </p:cSld>
   <p:clrMapOvr>
@@ -4270,1040 +4222,6 @@
 </file>
 
 <file path=ppt/slides/slide10.xml><?xml version="1.0" encoding="utf-8"?>
-<p:sld xmlns:a="http://schemas.openxmlformats.org/drawingml/2006/main" xmlns:r="http://schemas.openxmlformats.org/officeDocument/2006/relationships" xmlns:p="http://schemas.openxmlformats.org/presentationml/2006/main">
-  <p:cSld>
-    <p:spTree>
-      <p:nvGrpSpPr>
-        <p:cNvPr id="1" name=""/>
-        <p:cNvGrpSpPr/>
-        <p:nvPr/>
-      </p:nvGrpSpPr>
-      <p:grpSpPr>
-        <a:xfrm>
-          <a:off x="0" y="0"/>
-          <a:ext cx="0" cy="0"/>
-          <a:chOff x="0" y="0"/>
-          <a:chExt cx="0" cy="0"/>
-        </a:xfrm>
-      </p:grpSpPr>
-      <p:sp>
-        <p:nvSpPr>
-          <p:cNvPr id="2" name="Title 1">
-            <a:extLst>
-              <a:ext uri="{FF2B5EF4-FFF2-40B4-BE49-F238E27FC236}">
-                <a16:creationId xmlns:a16="http://schemas.microsoft.com/office/drawing/2014/main" id="{B117B0E3-DBF2-4898-B43F-2AE6B83D8997}"/>
-              </a:ext>
-            </a:extLst>
-          </p:cNvPr>
-          <p:cNvSpPr>
-            <a:spLocks noGrp="1"/>
-          </p:cNvSpPr>
-          <p:nvPr>
-            <p:ph type="title"/>
-          </p:nvPr>
-        </p:nvSpPr>
-        <p:spPr/>
-        <p:txBody>
-          <a:bodyPr/>
-          <a:lstStyle/>
-          <a:p>
-            <a:endParaRPr lang="en-US"/>
-          </a:p>
-        </p:txBody>
-      </p:sp>
-      <p:sp>
-        <p:nvSpPr>
-          <p:cNvPr id="3" name="Content Placeholder 2">
-            <a:extLst>
-              <a:ext uri="{FF2B5EF4-FFF2-40B4-BE49-F238E27FC236}">
-                <a16:creationId xmlns:a16="http://schemas.microsoft.com/office/drawing/2014/main" id="{448DBEA4-7D1E-4C4B-A5A9-14AAE9146DA5}"/>
-              </a:ext>
-            </a:extLst>
-          </p:cNvPr>
-          <p:cNvSpPr>
-            <a:spLocks noGrp="1"/>
-          </p:cNvSpPr>
-          <p:nvPr>
-            <p:ph idx="1"/>
-          </p:nvPr>
-        </p:nvSpPr>
-        <p:spPr/>
-        <p:txBody>
-          <a:bodyPr/>
-          <a:lstStyle/>
-          <a:p>
-            <a:endParaRPr lang="en-US"/>
-          </a:p>
-        </p:txBody>
-      </p:sp>
-      <p:pic>
-        <p:nvPicPr>
-          <p:cNvPr id="4" name="Picture 3">
-            <a:extLst>
-              <a:ext uri="{FF2B5EF4-FFF2-40B4-BE49-F238E27FC236}">
-                <a16:creationId xmlns:a16="http://schemas.microsoft.com/office/drawing/2014/main" id="{4D6C3BC3-DBA7-4146-8E88-372485ACBA4C}"/>
-              </a:ext>
-            </a:extLst>
-          </p:cNvPr>
-          <p:cNvPicPr>
-            <a:picLocks noChangeAspect="1"/>
-          </p:cNvPicPr>
-          <p:nvPr/>
-        </p:nvPicPr>
-        <p:blipFill>
-          <a:blip r:embed="rId2"/>
-          <a:stretch>
-            <a:fillRect/>
-          </a:stretch>
-        </p:blipFill>
-        <p:spPr>
-          <a:xfrm>
-            <a:off x="0" y="-976769"/>
-            <a:ext cx="12192001" cy="8811538"/>
-          </a:xfrm>
-          <a:prstGeom prst="rect">
-            <a:avLst/>
-          </a:prstGeom>
-        </p:spPr>
-      </p:pic>
-    </p:spTree>
-    <p:extLst>
-      <p:ext uri="{BB962C8B-B14F-4D97-AF65-F5344CB8AC3E}">
-        <p14:creationId xmlns:p14="http://schemas.microsoft.com/office/powerpoint/2010/main" val="2840746468"/>
-      </p:ext>
-    </p:extLst>
-  </p:cSld>
-  <p:clrMapOvr>
-    <a:masterClrMapping/>
-  </p:clrMapOvr>
-  <p:transition>
-    <p:fade/>
-  </p:transition>
-</p:sld>
-</file>
-
-<file path=ppt/slides/slide11.xml><?xml version="1.0" encoding="utf-8"?>
-<p:sld xmlns:a="http://schemas.openxmlformats.org/drawingml/2006/main" xmlns:r="http://schemas.openxmlformats.org/officeDocument/2006/relationships" xmlns:p="http://schemas.openxmlformats.org/presentationml/2006/main">
-  <p:cSld>
-    <p:spTree>
-      <p:nvGrpSpPr>
-        <p:cNvPr id="1" name=""/>
-        <p:cNvGrpSpPr/>
-        <p:nvPr/>
-      </p:nvGrpSpPr>
-      <p:grpSpPr>
-        <a:xfrm>
-          <a:off x="0" y="0"/>
-          <a:ext cx="0" cy="0"/>
-          <a:chOff x="0" y="0"/>
-          <a:chExt cx="0" cy="0"/>
-        </a:xfrm>
-      </p:grpSpPr>
-      <p:sp>
-        <p:nvSpPr>
-          <p:cNvPr id="2" name="Title 1">
-            <a:extLst>
-              <a:ext uri="{FF2B5EF4-FFF2-40B4-BE49-F238E27FC236}">
-                <a16:creationId xmlns:a16="http://schemas.microsoft.com/office/drawing/2014/main" id="{C1622D7F-83D0-4EB9-A53B-8D2A7AAB0E51}"/>
-              </a:ext>
-            </a:extLst>
-          </p:cNvPr>
-          <p:cNvSpPr>
-            <a:spLocks noGrp="1"/>
-          </p:cNvSpPr>
-          <p:nvPr>
-            <p:ph type="title"/>
-          </p:nvPr>
-        </p:nvSpPr>
-        <p:spPr/>
-        <p:txBody>
-          <a:bodyPr/>
-          <a:lstStyle/>
-          <a:p>
-            <a:r>
-              <a:rPr lang="en-US" dirty="0"/>
-              <a:t>Introductions of teaching staff</a:t>
-            </a:r>
-          </a:p>
-        </p:txBody>
-      </p:sp>
-      <p:sp>
-        <p:nvSpPr>
-          <p:cNvPr id="3" name="Content Placeholder 2">
-            <a:extLst>
-              <a:ext uri="{FF2B5EF4-FFF2-40B4-BE49-F238E27FC236}">
-                <a16:creationId xmlns:a16="http://schemas.microsoft.com/office/drawing/2014/main" id="{58E0A24E-A9DB-4EFD-A3C3-405C59B37FB4}"/>
-              </a:ext>
-            </a:extLst>
-          </p:cNvPr>
-          <p:cNvSpPr>
-            <a:spLocks noGrp="1"/>
-          </p:cNvSpPr>
-          <p:nvPr>
-            <p:ph idx="1"/>
-          </p:nvPr>
-        </p:nvSpPr>
-        <p:spPr/>
-        <p:txBody>
-          <a:bodyPr/>
-          <a:lstStyle/>
-          <a:p>
-            <a:pPr marL="0" indent="0">
-              <a:buNone/>
-            </a:pPr>
-            <a:endParaRPr lang="en-US" dirty="0"/>
-          </a:p>
-        </p:txBody>
-      </p:sp>
-    </p:spTree>
-    <p:extLst>
-      <p:ext uri="{BB962C8B-B14F-4D97-AF65-F5344CB8AC3E}">
-        <p14:creationId xmlns:p14="http://schemas.microsoft.com/office/powerpoint/2010/main" val="550273471"/>
-      </p:ext>
-    </p:extLst>
-  </p:cSld>
-  <p:clrMapOvr>
-    <a:masterClrMapping/>
-  </p:clrMapOvr>
-  <p:transition>
-    <p:fade/>
-  </p:transition>
-</p:sld>
-</file>
-
-<file path=ppt/slides/slide12.xml><?xml version="1.0" encoding="utf-8"?>
-<p:sld xmlns:a="http://schemas.openxmlformats.org/drawingml/2006/main" xmlns:r="http://schemas.openxmlformats.org/officeDocument/2006/relationships" xmlns:p="http://schemas.openxmlformats.org/presentationml/2006/main">
-  <p:cSld>
-    <p:spTree>
-      <p:nvGrpSpPr>
-        <p:cNvPr id="1" name=""/>
-        <p:cNvGrpSpPr/>
-        <p:nvPr/>
-      </p:nvGrpSpPr>
-      <p:grpSpPr>
-        <a:xfrm>
-          <a:off x="0" y="0"/>
-          <a:ext cx="0" cy="0"/>
-          <a:chOff x="0" y="0"/>
-          <a:chExt cx="0" cy="0"/>
-        </a:xfrm>
-      </p:grpSpPr>
-      <p:sp>
-        <p:nvSpPr>
-          <p:cNvPr id="2" name="Title 1">
-            <a:extLst>
-              <a:ext uri="{FF2B5EF4-FFF2-40B4-BE49-F238E27FC236}">
-                <a16:creationId xmlns:a16="http://schemas.microsoft.com/office/drawing/2014/main" id="{DC72AF90-36AE-4E94-A6F9-E2DC2FBDBBBB}"/>
-              </a:ext>
-            </a:extLst>
-          </p:cNvPr>
-          <p:cNvSpPr>
-            <a:spLocks noGrp="1"/>
-          </p:cNvSpPr>
-          <p:nvPr>
-            <p:ph type="title"/>
-          </p:nvPr>
-        </p:nvSpPr>
-        <p:spPr/>
-        <p:txBody>
-          <a:bodyPr/>
-          <a:lstStyle/>
-          <a:p>
-            <a:r>
-              <a:rPr lang="en-US" dirty="0"/>
-              <a:t>Today’s agenda</a:t>
-            </a:r>
-          </a:p>
-        </p:txBody>
-      </p:sp>
-      <p:sp>
-        <p:nvSpPr>
-          <p:cNvPr id="3" name="Content Placeholder 2">
-            <a:extLst>
-              <a:ext uri="{FF2B5EF4-FFF2-40B4-BE49-F238E27FC236}">
-                <a16:creationId xmlns:a16="http://schemas.microsoft.com/office/drawing/2014/main" id="{CD493713-8032-459B-A8BF-1833DEC8B5E2}"/>
-              </a:ext>
-            </a:extLst>
-          </p:cNvPr>
-          <p:cNvSpPr>
-            <a:spLocks noGrp="1"/>
-          </p:cNvSpPr>
-          <p:nvPr>
-            <p:ph idx="1"/>
-          </p:nvPr>
-        </p:nvSpPr>
-        <p:spPr/>
-        <p:txBody>
-          <a:bodyPr/>
-          <a:lstStyle/>
-          <a:p>
-            <a:r>
-              <a:rPr lang="en-US" dirty="0"/>
-              <a:t>Begin working on Part Studios Assignment</a:t>
-            </a:r>
-          </a:p>
-          <a:p>
-            <a:pPr lvl="1"/>
-            <a:r>
-              <a:rPr lang="en-US" dirty="0">
-                <a:hlinkClick r:id="rId2"/>
-              </a:rPr>
-              <a:t>https://github.com/AguaClara/SWOT/wiki/Part-Studios</a:t>
-            </a:r>
-            <a:r>
-              <a:rPr lang="en-US" dirty="0"/>
-              <a:t> </a:t>
-            </a:r>
-          </a:p>
-        </p:txBody>
-      </p:sp>
-    </p:spTree>
-    <p:extLst>
-      <p:ext uri="{BB962C8B-B14F-4D97-AF65-F5344CB8AC3E}">
-        <p14:creationId xmlns:p14="http://schemas.microsoft.com/office/powerpoint/2010/main" val="3615551982"/>
-      </p:ext>
-    </p:extLst>
-  </p:cSld>
-  <p:clrMapOvr>
-    <a:masterClrMapping/>
-  </p:clrMapOvr>
-  <p:transition>
-    <p:fade/>
-  </p:transition>
-</p:sld>
-</file>
-
-<file path=ppt/slides/slide2.xml><?xml version="1.0" encoding="utf-8"?>
-<p:sld xmlns:a="http://schemas.openxmlformats.org/drawingml/2006/main" xmlns:r="http://schemas.openxmlformats.org/officeDocument/2006/relationships" xmlns:p="http://schemas.openxmlformats.org/presentationml/2006/main">
-  <p:cSld>
-    <p:spTree>
-      <p:nvGrpSpPr>
-        <p:cNvPr id="1" name=""/>
-        <p:cNvGrpSpPr/>
-        <p:nvPr/>
-      </p:nvGrpSpPr>
-      <p:grpSpPr>
-        <a:xfrm>
-          <a:off x="0" y="0"/>
-          <a:ext cx="0" cy="0"/>
-          <a:chOff x="0" y="0"/>
-          <a:chExt cx="0" cy="0"/>
-        </a:xfrm>
-      </p:grpSpPr>
-      <p:sp>
-        <p:nvSpPr>
-          <p:cNvPr id="56322" name="Rectangle 2"/>
-          <p:cNvSpPr>
-            <a:spLocks noGrp="1" noChangeArrowheads="1"/>
-          </p:cNvSpPr>
-          <p:nvPr>
-            <p:ph type="title"/>
-          </p:nvPr>
-        </p:nvSpPr>
-        <p:spPr/>
-        <p:txBody>
-          <a:bodyPr/>
-          <a:lstStyle/>
-          <a:p>
-            <a:r>
-              <a:rPr lang="en-US"/>
-              <a:t>Course Organization</a:t>
-            </a:r>
-            <a:endParaRPr lang="en-US" dirty="0"/>
-          </a:p>
-        </p:txBody>
-      </p:sp>
-      <p:sp>
-        <p:nvSpPr>
-          <p:cNvPr id="56323" name="Rectangle 3"/>
-          <p:cNvSpPr>
-            <a:spLocks noGrp="1" noChangeArrowheads="1"/>
-          </p:cNvSpPr>
-          <p:nvPr>
-            <p:ph idx="1"/>
-          </p:nvPr>
-        </p:nvSpPr>
-        <p:spPr/>
-        <p:txBody>
-          <a:bodyPr/>
-          <a:lstStyle/>
-          <a:p>
-            <a:r>
-              <a:rPr lang="en-US" sz="2700" dirty="0"/>
-              <a:t>SWOT wiki on </a:t>
-            </a:r>
-            <a:r>
-              <a:rPr lang="en-US" sz="2700" dirty="0" err="1"/>
-              <a:t>github</a:t>
-            </a:r>
-            <a:r>
-              <a:rPr lang="en-US" sz="2700" dirty="0"/>
-              <a:t>: home to everything</a:t>
-            </a:r>
-          </a:p>
-          <a:p>
-            <a:pPr lvl="1"/>
-            <a:r>
-              <a:rPr lang="en-US" sz="2200" dirty="0">
-                <a:hlinkClick r:id="rId3"/>
-              </a:rPr>
-              <a:t>https://github.com/AguaClara/SWOT/wiki/Syllabus-OSU</a:t>
-            </a:r>
-            <a:endParaRPr lang="en-US" sz="2200" dirty="0"/>
-          </a:p>
-          <a:p>
-            <a:pPr lvl="1"/>
-            <a:r>
-              <a:rPr lang="en-US" sz="2700" dirty="0"/>
-              <a:t>There is a textbook! </a:t>
-            </a:r>
-            <a:r>
-              <a:rPr lang="en-US" sz="2700" dirty="0">
-                <a:hlinkClick r:id="rId4"/>
-              </a:rPr>
-              <a:t>https://aguaclara.github.io/Textbook/</a:t>
-            </a:r>
-            <a:r>
-              <a:rPr lang="en-US" sz="2700" dirty="0"/>
-              <a:t> </a:t>
-            </a:r>
-          </a:p>
-          <a:p>
-            <a:r>
-              <a:rPr lang="en-US" sz="2700" dirty="0"/>
-              <a:t>View lectures and answer questions prior to class!</a:t>
-            </a:r>
-          </a:p>
-          <a:p>
-            <a:r>
-              <a:rPr lang="en-US" sz="2700" dirty="0"/>
-              <a:t>We will use class time for brief presentations and then work on assignments</a:t>
-            </a:r>
-          </a:p>
-          <a:p>
-            <a:r>
-              <a:rPr lang="en-US" sz="2700" dirty="0"/>
-              <a:t>Design Challenges</a:t>
-            </a:r>
-          </a:p>
-          <a:p>
-            <a:pPr lvl="1"/>
-            <a:r>
-              <a:rPr lang="en-US" sz="2300" dirty="0"/>
-              <a:t>Some are for each Individual and some are for teams</a:t>
-            </a:r>
-          </a:p>
-          <a:p>
-            <a:pPr lvl="1"/>
-            <a:r>
-              <a:rPr lang="en-US" sz="2300" dirty="0"/>
-              <a:t>Due on date listed on the course schedule/syllabus!!!!</a:t>
-            </a:r>
-          </a:p>
-        </p:txBody>
-      </p:sp>
-    </p:spTree>
-  </p:cSld>
-  <p:clrMapOvr>
-    <a:masterClrMapping/>
-  </p:clrMapOvr>
-  <p:transition>
-    <p:fade/>
-  </p:transition>
-</p:sld>
-</file>
-
-<file path=ppt/slides/slide3.xml><?xml version="1.0" encoding="utf-8"?>
-<p:sld xmlns:a="http://schemas.openxmlformats.org/drawingml/2006/main" xmlns:r="http://schemas.openxmlformats.org/officeDocument/2006/relationships" xmlns:p="http://schemas.openxmlformats.org/presentationml/2006/main">
-  <p:cSld>
-    <p:spTree>
-      <p:nvGrpSpPr>
-        <p:cNvPr id="1" name=""/>
-        <p:cNvGrpSpPr/>
-        <p:nvPr/>
-      </p:nvGrpSpPr>
-      <p:grpSpPr>
-        <a:xfrm>
-          <a:off x="0" y="0"/>
-          <a:ext cx="0" cy="0"/>
-          <a:chOff x="0" y="0"/>
-          <a:chExt cx="0" cy="0"/>
-        </a:xfrm>
-      </p:grpSpPr>
-      <p:sp>
-        <p:nvSpPr>
-          <p:cNvPr id="15362" name="Rectangle 2"/>
-          <p:cNvSpPr>
-            <a:spLocks noGrp="1" noChangeArrowheads="1"/>
-          </p:cNvSpPr>
-          <p:nvPr>
-            <p:ph type="title"/>
-          </p:nvPr>
-        </p:nvSpPr>
-        <p:spPr/>
-        <p:txBody>
-          <a:bodyPr/>
-          <a:lstStyle/>
-          <a:p>
-            <a:r>
-              <a:rPr lang="en-US"/>
-              <a:t>Why am I teaching this course?</a:t>
-            </a:r>
-          </a:p>
-        </p:txBody>
-      </p:sp>
-      <p:sp>
-        <p:nvSpPr>
-          <p:cNvPr id="15363" name="Rectangle 3"/>
-          <p:cNvSpPr>
-            <a:spLocks noGrp="1" noChangeArrowheads="1"/>
-          </p:cNvSpPr>
-          <p:nvPr>
-            <p:ph idx="1"/>
-          </p:nvPr>
-        </p:nvSpPr>
-        <p:spPr/>
-        <p:txBody>
-          <a:bodyPr/>
-          <a:lstStyle/>
-          <a:p>
-            <a:r>
-              <a:rPr lang="en-US" dirty="0"/>
-              <a:t>Experience in refugee camps in </a:t>
-            </a:r>
-            <a:br>
-              <a:rPr lang="en-US" dirty="0"/>
-            </a:br>
-            <a:r>
-              <a:rPr lang="en-US" dirty="0"/>
-              <a:t>Honduras in 1982-83</a:t>
-            </a:r>
-          </a:p>
-          <a:p>
-            <a:r>
-              <a:rPr lang="en-US" dirty="0"/>
-              <a:t>The spark of interest: What makes </a:t>
-            </a:r>
-            <a:br>
-              <a:rPr lang="en-US" dirty="0"/>
-            </a:br>
-            <a:r>
-              <a:rPr lang="en-US" dirty="0"/>
-              <a:t>slow sand filters work? (no one knew!)</a:t>
-            </a:r>
-          </a:p>
-          <a:p>
-            <a:r>
-              <a:rPr lang="en-US" dirty="0"/>
-              <a:t>Invitation to begin a water project in Latin America (12/2002)</a:t>
-            </a:r>
-          </a:p>
-          <a:p>
-            <a:r>
-              <a:rPr lang="en-US" dirty="0"/>
-              <a:t>The realization that what I had been taught wasn’t up to the challenge of solving the big global challenge of providing safe drinking water on tap to communities</a:t>
-            </a:r>
-          </a:p>
-          <a:p>
-            <a:r>
-              <a:rPr lang="en-US" dirty="0"/>
-              <a:t>I’ve been teaching this course since 2004 and it changes every time!</a:t>
-            </a:r>
-          </a:p>
-          <a:p>
-            <a:endParaRPr lang="en-US" dirty="0"/>
-          </a:p>
-        </p:txBody>
-      </p:sp>
-      <p:pic>
-        <p:nvPicPr>
-          <p:cNvPr id="15364" name="Picture 4" descr="Slide 8">
-            <a:hlinkClick r:id="rId3" action="ppaction://hlinksldjump"/>
-          </p:cNvPr>
-          <p:cNvPicPr>
-            <a:picLocks noChangeAspect="1" noChangeArrowheads="1"/>
-          </p:cNvPicPr>
-          <p:nvPr/>
-        </p:nvPicPr>
-        <p:blipFill>
-          <a:blip r:embed="rId4" cstate="print"/>
-          <a:srcRect/>
-          <a:stretch>
-            <a:fillRect/>
-          </a:stretch>
-        </p:blipFill>
-        <p:spPr bwMode="auto">
-          <a:xfrm>
-            <a:off x="8458200" y="1692442"/>
-            <a:ext cx="2735158" cy="2056795"/>
-          </a:xfrm>
-          <a:prstGeom prst="rect">
-            <a:avLst/>
-          </a:prstGeom>
-          <a:noFill/>
-        </p:spPr>
-      </p:pic>
-    </p:spTree>
-  </p:cSld>
-  <p:clrMapOvr>
-    <a:masterClrMapping/>
-  </p:clrMapOvr>
-  <p:transition>
-    <p:fade/>
-  </p:transition>
-</p:sld>
-</file>
-
-<file path=ppt/slides/slide4.xml><?xml version="1.0" encoding="utf-8"?>
-<p:sld xmlns:a="http://schemas.openxmlformats.org/drawingml/2006/main" xmlns:r="http://schemas.openxmlformats.org/officeDocument/2006/relationships" xmlns:p="http://schemas.openxmlformats.org/presentationml/2006/main">
-  <p:cSld>
-    <p:spTree>
-      <p:nvGrpSpPr>
-        <p:cNvPr id="1" name=""/>
-        <p:cNvGrpSpPr/>
-        <p:nvPr/>
-      </p:nvGrpSpPr>
-      <p:grpSpPr>
-        <a:xfrm>
-          <a:off x="0" y="0"/>
-          <a:ext cx="0" cy="0"/>
-          <a:chOff x="0" y="0"/>
-          <a:chExt cx="0" cy="0"/>
-        </a:xfrm>
-      </p:grpSpPr>
-      <p:pic>
-        <p:nvPicPr>
-          <p:cNvPr id="58370" name="Picture 2" descr="Slide 8"/>
-          <p:cNvPicPr>
-            <a:picLocks noChangeAspect="1" noChangeArrowheads="1"/>
-          </p:cNvPicPr>
-          <p:nvPr/>
-        </p:nvPicPr>
-        <p:blipFill>
-          <a:blip r:embed="rId3" cstate="print"/>
-          <a:srcRect/>
-          <a:stretch>
-            <a:fillRect/>
-          </a:stretch>
-        </p:blipFill>
-        <p:spPr bwMode="auto">
-          <a:xfrm>
-            <a:off x="0" y="-12701"/>
-            <a:ext cx="12192000" cy="9160933"/>
-          </a:xfrm>
-          <a:prstGeom prst="rect">
-            <a:avLst/>
-          </a:prstGeom>
-          <a:noFill/>
-        </p:spPr>
-      </p:pic>
-      <p:sp>
-        <p:nvSpPr>
-          <p:cNvPr id="58371" name="Rectangle 3"/>
-          <p:cNvSpPr>
-            <a:spLocks noGrp="1" noChangeArrowheads="1"/>
-          </p:cNvSpPr>
-          <p:nvPr>
-            <p:ph type="title"/>
-          </p:nvPr>
-        </p:nvSpPr>
-        <p:spPr/>
-        <p:txBody>
-          <a:bodyPr/>
-          <a:lstStyle/>
-          <a:p>
-            <a:r>
-              <a:rPr lang="en-US"/>
-              <a:t>Mesa Grande: Waiting for water</a:t>
-            </a:r>
-          </a:p>
-        </p:txBody>
-      </p:sp>
-    </p:spTree>
-  </p:cSld>
-  <p:clrMapOvr>
-    <a:masterClrMapping/>
-  </p:clrMapOvr>
-  <p:transition>
-    <p:fade/>
-  </p:transition>
-</p:sld>
-</file>
-
-<file path=ppt/slides/slide5.xml><?xml version="1.0" encoding="utf-8"?>
-<p:sld xmlns:a="http://schemas.openxmlformats.org/drawingml/2006/main" xmlns:r="http://schemas.openxmlformats.org/officeDocument/2006/relationships" xmlns:p="http://schemas.openxmlformats.org/presentationml/2006/main">
-  <p:cSld>
-    <p:spTree>
-      <p:nvGrpSpPr>
-        <p:cNvPr id="1" name=""/>
-        <p:cNvGrpSpPr/>
-        <p:nvPr/>
-      </p:nvGrpSpPr>
-      <p:grpSpPr>
-        <a:xfrm>
-          <a:off x="0" y="0"/>
-          <a:ext cx="0" cy="0"/>
-          <a:chOff x="0" y="0"/>
-          <a:chExt cx="0" cy="0"/>
-        </a:xfrm>
-      </p:grpSpPr>
-      <p:sp>
-        <p:nvSpPr>
-          <p:cNvPr id="60418" name="Rectangle 2"/>
-          <p:cNvSpPr>
-            <a:spLocks noGrp="1" noChangeArrowheads="1"/>
-          </p:cNvSpPr>
-          <p:nvPr>
-            <p:ph type="title"/>
-          </p:nvPr>
-        </p:nvSpPr>
-        <p:spPr/>
-        <p:txBody>
-          <a:bodyPr/>
-          <a:lstStyle/>
-          <a:p>
-            <a:r>
-              <a:rPr lang="en-US"/>
-              <a:t>Water in Colomoncagua</a:t>
-            </a:r>
-          </a:p>
-        </p:txBody>
-      </p:sp>
-      <p:pic>
-        <p:nvPicPr>
-          <p:cNvPr id="60419" name="Picture 3" descr="Slide 1"/>
-          <p:cNvPicPr>
-            <a:picLocks noChangeAspect="1" noChangeArrowheads="1"/>
-          </p:cNvPicPr>
-          <p:nvPr/>
-        </p:nvPicPr>
-        <p:blipFill>
-          <a:blip r:embed="rId3" cstate="print"/>
-          <a:srcRect/>
-          <a:stretch>
-            <a:fillRect/>
-          </a:stretch>
-        </p:blipFill>
-        <p:spPr bwMode="auto">
-          <a:xfrm>
-            <a:off x="0" y="-3175"/>
-            <a:ext cx="12192000" cy="9148233"/>
-          </a:xfrm>
-          <a:prstGeom prst="rect">
-            <a:avLst/>
-          </a:prstGeom>
-          <a:noFill/>
-        </p:spPr>
-      </p:pic>
-    </p:spTree>
-  </p:cSld>
-  <p:clrMapOvr>
-    <a:masterClrMapping/>
-  </p:clrMapOvr>
-  <p:transition>
-    <p:fade/>
-  </p:transition>
-</p:sld>
-</file>
-
-<file path=ppt/slides/slide6.xml><?xml version="1.0" encoding="utf-8"?>
-<p:sld xmlns:a="http://schemas.openxmlformats.org/drawingml/2006/main" xmlns:r="http://schemas.openxmlformats.org/officeDocument/2006/relationships" xmlns:p="http://schemas.openxmlformats.org/presentationml/2006/main">
-  <p:cSld>
-    <p:spTree>
-      <p:nvGrpSpPr>
-        <p:cNvPr id="1" name=""/>
-        <p:cNvGrpSpPr/>
-        <p:nvPr/>
-      </p:nvGrpSpPr>
-      <p:grpSpPr>
-        <a:xfrm>
-          <a:off x="0" y="0"/>
-          <a:ext cx="0" cy="0"/>
-          <a:chOff x="0" y="0"/>
-          <a:chExt cx="0" cy="0"/>
-        </a:xfrm>
-      </p:grpSpPr>
-      <p:sp>
-        <p:nvSpPr>
-          <p:cNvPr id="62466" name="Rectangle 2"/>
-          <p:cNvSpPr>
-            <a:spLocks noGrp="1" noChangeArrowheads="1"/>
-          </p:cNvSpPr>
-          <p:nvPr>
-            <p:ph type="title"/>
-          </p:nvPr>
-        </p:nvSpPr>
-        <p:spPr/>
-        <p:txBody>
-          <a:bodyPr/>
-          <a:lstStyle/>
-          <a:p>
-            <a:endParaRPr lang="es-HN"/>
-          </a:p>
-        </p:txBody>
-      </p:sp>
-      <p:sp>
-        <p:nvSpPr>
-          <p:cNvPr id="62467" name="Rectangle 3"/>
-          <p:cNvSpPr>
-            <a:spLocks noGrp="1" noChangeArrowheads="1"/>
-          </p:cNvSpPr>
-          <p:nvPr>
-            <p:ph idx="1"/>
-          </p:nvPr>
-        </p:nvSpPr>
-        <p:spPr/>
-        <p:txBody>
-          <a:bodyPr/>
-          <a:lstStyle/>
-          <a:p>
-            <a:endParaRPr lang="es-HN"/>
-          </a:p>
-        </p:txBody>
-      </p:sp>
-      <p:pic>
-        <p:nvPicPr>
-          <p:cNvPr id="62468" name="Picture 4"/>
-          <p:cNvPicPr>
-            <a:picLocks noChangeAspect="1" noChangeArrowheads="1"/>
-          </p:cNvPicPr>
-          <p:nvPr/>
-        </p:nvPicPr>
-        <p:blipFill>
-          <a:blip r:embed="rId3" cstate="print"/>
-          <a:srcRect/>
-          <a:stretch>
-            <a:fillRect/>
-          </a:stretch>
-        </p:blipFill>
-        <p:spPr bwMode="auto">
-          <a:xfrm>
-            <a:off x="0" y="0"/>
-            <a:ext cx="12192000" cy="9144000"/>
-          </a:xfrm>
-          <a:prstGeom prst="rect">
-            <a:avLst/>
-          </a:prstGeom>
-          <a:noFill/>
-          <a:ln w="12700">
-            <a:noFill/>
-            <a:miter lim="800000"/>
-            <a:headEnd type="none" w="lg" len="med"/>
-            <a:tailEnd type="none" w="lg" len="med"/>
-          </a:ln>
-          <a:effectLst/>
-        </p:spPr>
-      </p:pic>
-    </p:spTree>
-  </p:cSld>
-  <p:clrMapOvr>
-    <a:masterClrMapping/>
-  </p:clrMapOvr>
-  <p:transition>
-    <p:fade/>
-  </p:transition>
-</p:sld>
-</file>
-
-<file path=ppt/slides/slide7.xml><?xml version="1.0" encoding="utf-8"?>
-<p:sld xmlns:a="http://schemas.openxmlformats.org/drawingml/2006/main" xmlns:r="http://schemas.openxmlformats.org/officeDocument/2006/relationships" xmlns:p="http://schemas.openxmlformats.org/presentationml/2006/main">
-  <p:cSld>
-    <p:spTree>
-      <p:nvGrpSpPr>
-        <p:cNvPr id="1" name=""/>
-        <p:cNvGrpSpPr/>
-        <p:nvPr/>
-      </p:nvGrpSpPr>
-      <p:grpSpPr>
-        <a:xfrm>
-          <a:off x="0" y="0"/>
-          <a:ext cx="0" cy="0"/>
-          <a:chOff x="0" y="0"/>
-          <a:chExt cx="0" cy="0"/>
-        </a:xfrm>
-      </p:grpSpPr>
-      <p:sp>
-        <p:nvSpPr>
-          <p:cNvPr id="64514" name="Rectangle 2"/>
-          <p:cNvSpPr>
-            <a:spLocks noGrp="1" noChangeArrowheads="1"/>
-          </p:cNvSpPr>
-          <p:nvPr>
-            <p:ph type="title"/>
-          </p:nvPr>
-        </p:nvSpPr>
-        <p:spPr/>
-        <p:txBody>
-          <a:bodyPr/>
-          <a:lstStyle/>
-          <a:p>
-            <a:endParaRPr lang="es-HN"/>
-          </a:p>
-        </p:txBody>
-      </p:sp>
-      <p:sp>
-        <p:nvSpPr>
-          <p:cNvPr id="64515" name="Rectangle 3"/>
-          <p:cNvSpPr>
-            <a:spLocks noGrp="1" noChangeArrowheads="1"/>
-          </p:cNvSpPr>
-          <p:nvPr>
-            <p:ph idx="1"/>
-          </p:nvPr>
-        </p:nvSpPr>
-        <p:spPr/>
-        <p:txBody>
-          <a:bodyPr/>
-          <a:lstStyle/>
-          <a:p>
-            <a:endParaRPr lang="es-HN"/>
-          </a:p>
-        </p:txBody>
-      </p:sp>
-      <p:pic>
-        <p:nvPicPr>
-          <p:cNvPr id="64516" name="Picture 4"/>
-          <p:cNvPicPr>
-            <a:picLocks noChangeAspect="1" noChangeArrowheads="1"/>
-          </p:cNvPicPr>
-          <p:nvPr/>
-        </p:nvPicPr>
-        <p:blipFill>
-          <a:blip r:embed="rId3" cstate="print"/>
-          <a:srcRect/>
-          <a:stretch>
-            <a:fillRect/>
-          </a:stretch>
-        </p:blipFill>
-        <p:spPr bwMode="auto">
-          <a:xfrm>
-            <a:off x="0" y="0"/>
-            <a:ext cx="12192000" cy="9144000"/>
-          </a:xfrm>
-          <a:prstGeom prst="rect">
-            <a:avLst/>
-          </a:prstGeom>
-          <a:noFill/>
-          <a:ln w="12700">
-            <a:noFill/>
-            <a:miter lim="800000"/>
-            <a:headEnd type="none" w="lg" len="med"/>
-            <a:tailEnd type="none" w="lg" len="med"/>
-          </a:ln>
-          <a:effectLst/>
-        </p:spPr>
-      </p:pic>
-    </p:spTree>
-  </p:cSld>
-  <p:clrMapOvr>
-    <a:masterClrMapping/>
-  </p:clrMapOvr>
-  <p:transition>
-    <p:fade/>
-  </p:transition>
-</p:sld>
-</file>
-
-<file path=ppt/slides/slide8.xml><?xml version="1.0" encoding="utf-8"?>
-<p:sld xmlns:a="http://schemas.openxmlformats.org/drawingml/2006/main" xmlns:r="http://schemas.openxmlformats.org/officeDocument/2006/relationships" xmlns:p="http://schemas.openxmlformats.org/presentationml/2006/main">
-  <p:cSld>
-    <p:spTree>
-      <p:nvGrpSpPr>
-        <p:cNvPr id="1" name=""/>
-        <p:cNvGrpSpPr/>
-        <p:nvPr/>
-      </p:nvGrpSpPr>
-      <p:grpSpPr>
-        <a:xfrm>
-          <a:off x="0" y="0"/>
-          <a:ext cx="0" cy="0"/>
-          <a:chOff x="0" y="0"/>
-          <a:chExt cx="0" cy="0"/>
-        </a:xfrm>
-      </p:grpSpPr>
-      <p:sp>
-        <p:nvSpPr>
-          <p:cNvPr id="66562" name="Rectangle 2"/>
-          <p:cNvSpPr>
-            <a:spLocks noGrp="1" noChangeArrowheads="1"/>
-          </p:cNvSpPr>
-          <p:nvPr>
-            <p:ph type="title"/>
-          </p:nvPr>
-        </p:nvSpPr>
-        <p:spPr/>
-        <p:txBody>
-          <a:bodyPr/>
-          <a:lstStyle/>
-          <a:p>
-            <a:endParaRPr lang="es-HN"/>
-          </a:p>
-        </p:txBody>
-      </p:sp>
-      <p:sp>
-        <p:nvSpPr>
-          <p:cNvPr id="66563" name="Rectangle 3"/>
-          <p:cNvSpPr>
-            <a:spLocks noGrp="1" noChangeArrowheads="1"/>
-          </p:cNvSpPr>
-          <p:nvPr>
-            <p:ph idx="1"/>
-          </p:nvPr>
-        </p:nvSpPr>
-        <p:spPr/>
-        <p:txBody>
-          <a:bodyPr/>
-          <a:lstStyle/>
-          <a:p>
-            <a:endParaRPr lang="es-HN"/>
-          </a:p>
-        </p:txBody>
-      </p:sp>
-      <p:pic>
-        <p:nvPicPr>
-          <p:cNvPr id="66564" name="Picture 4"/>
-          <p:cNvPicPr>
-            <a:picLocks noChangeAspect="1" noChangeArrowheads="1"/>
-          </p:cNvPicPr>
-          <p:nvPr/>
-        </p:nvPicPr>
-        <p:blipFill>
-          <a:blip r:embed="rId3" cstate="print"/>
-          <a:srcRect/>
-          <a:stretch>
-            <a:fillRect/>
-          </a:stretch>
-        </p:blipFill>
-        <p:spPr bwMode="auto">
-          <a:xfrm>
-            <a:off x="0" y="0"/>
-            <a:ext cx="12192000" cy="9144000"/>
-          </a:xfrm>
-          <a:prstGeom prst="rect">
-            <a:avLst/>
-          </a:prstGeom>
-          <a:noFill/>
-          <a:ln w="12700">
-            <a:noFill/>
-            <a:miter lim="800000"/>
-            <a:headEnd type="none" w="lg" len="med"/>
-            <a:tailEnd type="none" w="lg" len="med"/>
-          </a:ln>
-          <a:effectLst/>
-        </p:spPr>
-      </p:pic>
-    </p:spTree>
-  </p:cSld>
-  <p:clrMapOvr>
-    <a:masterClrMapping/>
-  </p:clrMapOvr>
-  <p:transition>
-    <p:fade/>
-  </p:transition>
-</p:sld>
-</file>
-
-<file path=ppt/slides/slide9.xml><?xml version="1.0" encoding="utf-8"?>
 <p:sld xmlns:a="http://schemas.openxmlformats.org/drawingml/2006/main" xmlns:r="http://schemas.openxmlformats.org/officeDocument/2006/relationships" xmlns:p="http://schemas.openxmlformats.org/presentationml/2006/main">
   <p:cSld>
     <p:spTree>
@@ -5694,6 +4612,1040 @@
       <p:bldP spid="3" grpId="0" build="p"/>
     </p:bldLst>
   </p:timing>
+</p:sld>
+</file>
+
+<file path=ppt/slides/slide11.xml><?xml version="1.0" encoding="utf-8"?>
+<p:sld xmlns:a="http://schemas.openxmlformats.org/drawingml/2006/main" xmlns:r="http://schemas.openxmlformats.org/officeDocument/2006/relationships" xmlns:p="http://schemas.openxmlformats.org/presentationml/2006/main">
+  <p:cSld>
+    <p:spTree>
+      <p:nvGrpSpPr>
+        <p:cNvPr id="1" name=""/>
+        <p:cNvGrpSpPr/>
+        <p:nvPr/>
+      </p:nvGrpSpPr>
+      <p:grpSpPr>
+        <a:xfrm>
+          <a:off x="0" y="0"/>
+          <a:ext cx="0" cy="0"/>
+          <a:chOff x="0" y="0"/>
+          <a:chExt cx="0" cy="0"/>
+        </a:xfrm>
+      </p:grpSpPr>
+      <p:sp>
+        <p:nvSpPr>
+          <p:cNvPr id="2" name="Title 1">
+            <a:extLst>
+              <a:ext uri="{FF2B5EF4-FFF2-40B4-BE49-F238E27FC236}">
+                <a16:creationId xmlns:a16="http://schemas.microsoft.com/office/drawing/2014/main" id="{B117B0E3-DBF2-4898-B43F-2AE6B83D8997}"/>
+              </a:ext>
+            </a:extLst>
+          </p:cNvPr>
+          <p:cNvSpPr>
+            <a:spLocks noGrp="1"/>
+          </p:cNvSpPr>
+          <p:nvPr>
+            <p:ph type="title"/>
+          </p:nvPr>
+        </p:nvSpPr>
+        <p:spPr/>
+        <p:txBody>
+          <a:bodyPr/>
+          <a:lstStyle/>
+          <a:p>
+            <a:endParaRPr lang="en-US"/>
+          </a:p>
+        </p:txBody>
+      </p:sp>
+      <p:sp>
+        <p:nvSpPr>
+          <p:cNvPr id="3" name="Content Placeholder 2">
+            <a:extLst>
+              <a:ext uri="{FF2B5EF4-FFF2-40B4-BE49-F238E27FC236}">
+                <a16:creationId xmlns:a16="http://schemas.microsoft.com/office/drawing/2014/main" id="{448DBEA4-7D1E-4C4B-A5A9-14AAE9146DA5}"/>
+              </a:ext>
+            </a:extLst>
+          </p:cNvPr>
+          <p:cNvSpPr>
+            <a:spLocks noGrp="1"/>
+          </p:cNvSpPr>
+          <p:nvPr>
+            <p:ph idx="1"/>
+          </p:nvPr>
+        </p:nvSpPr>
+        <p:spPr/>
+        <p:txBody>
+          <a:bodyPr/>
+          <a:lstStyle/>
+          <a:p>
+            <a:endParaRPr lang="en-US"/>
+          </a:p>
+        </p:txBody>
+      </p:sp>
+      <p:pic>
+        <p:nvPicPr>
+          <p:cNvPr id="4" name="Picture 3">
+            <a:extLst>
+              <a:ext uri="{FF2B5EF4-FFF2-40B4-BE49-F238E27FC236}">
+                <a16:creationId xmlns:a16="http://schemas.microsoft.com/office/drawing/2014/main" id="{4D6C3BC3-DBA7-4146-8E88-372485ACBA4C}"/>
+              </a:ext>
+            </a:extLst>
+          </p:cNvPr>
+          <p:cNvPicPr>
+            <a:picLocks noChangeAspect="1"/>
+          </p:cNvPicPr>
+          <p:nvPr/>
+        </p:nvPicPr>
+        <p:blipFill>
+          <a:blip r:embed="rId2"/>
+          <a:stretch>
+            <a:fillRect/>
+          </a:stretch>
+        </p:blipFill>
+        <p:spPr>
+          <a:xfrm>
+            <a:off x="0" y="-976769"/>
+            <a:ext cx="12192001" cy="8811538"/>
+          </a:xfrm>
+          <a:prstGeom prst="rect">
+            <a:avLst/>
+          </a:prstGeom>
+        </p:spPr>
+      </p:pic>
+    </p:spTree>
+    <p:extLst>
+      <p:ext uri="{BB962C8B-B14F-4D97-AF65-F5344CB8AC3E}">
+        <p14:creationId xmlns:p14="http://schemas.microsoft.com/office/powerpoint/2010/main" val="2840746468"/>
+      </p:ext>
+    </p:extLst>
+  </p:cSld>
+  <p:clrMapOvr>
+    <a:masterClrMapping/>
+  </p:clrMapOvr>
+  <p:transition>
+    <p:fade/>
+  </p:transition>
+</p:sld>
+</file>
+
+<file path=ppt/slides/slide12.xml><?xml version="1.0" encoding="utf-8"?>
+<p:sld xmlns:a="http://schemas.openxmlformats.org/drawingml/2006/main" xmlns:r="http://schemas.openxmlformats.org/officeDocument/2006/relationships" xmlns:p="http://schemas.openxmlformats.org/presentationml/2006/main">
+  <p:cSld>
+    <p:spTree>
+      <p:nvGrpSpPr>
+        <p:cNvPr id="1" name=""/>
+        <p:cNvGrpSpPr/>
+        <p:nvPr/>
+      </p:nvGrpSpPr>
+      <p:grpSpPr>
+        <a:xfrm>
+          <a:off x="0" y="0"/>
+          <a:ext cx="0" cy="0"/>
+          <a:chOff x="0" y="0"/>
+          <a:chExt cx="0" cy="0"/>
+        </a:xfrm>
+      </p:grpSpPr>
+      <p:sp>
+        <p:nvSpPr>
+          <p:cNvPr id="2" name="Title 1">
+            <a:extLst>
+              <a:ext uri="{FF2B5EF4-FFF2-40B4-BE49-F238E27FC236}">
+                <a16:creationId xmlns:a16="http://schemas.microsoft.com/office/drawing/2014/main" id="{DC72AF90-36AE-4E94-A6F9-E2DC2FBDBBBB}"/>
+              </a:ext>
+            </a:extLst>
+          </p:cNvPr>
+          <p:cNvSpPr>
+            <a:spLocks noGrp="1"/>
+          </p:cNvSpPr>
+          <p:nvPr>
+            <p:ph type="title"/>
+          </p:nvPr>
+        </p:nvSpPr>
+        <p:spPr/>
+        <p:txBody>
+          <a:bodyPr/>
+          <a:lstStyle/>
+          <a:p>
+            <a:r>
+              <a:rPr lang="en-US" dirty="0"/>
+              <a:t>Today’s agenda</a:t>
+            </a:r>
+          </a:p>
+        </p:txBody>
+      </p:sp>
+      <p:sp>
+        <p:nvSpPr>
+          <p:cNvPr id="3" name="Content Placeholder 2">
+            <a:extLst>
+              <a:ext uri="{FF2B5EF4-FFF2-40B4-BE49-F238E27FC236}">
+                <a16:creationId xmlns:a16="http://schemas.microsoft.com/office/drawing/2014/main" id="{CD493713-8032-459B-A8BF-1833DEC8B5E2}"/>
+              </a:ext>
+            </a:extLst>
+          </p:cNvPr>
+          <p:cNvSpPr>
+            <a:spLocks noGrp="1"/>
+          </p:cNvSpPr>
+          <p:nvPr>
+            <p:ph idx="1"/>
+          </p:nvPr>
+        </p:nvSpPr>
+        <p:spPr/>
+        <p:txBody>
+          <a:bodyPr/>
+          <a:lstStyle/>
+          <a:p>
+            <a:r>
+              <a:rPr lang="en-US" dirty="0"/>
+              <a:t>Begin working on Part Studios Assignment</a:t>
+            </a:r>
+          </a:p>
+          <a:p>
+            <a:pPr lvl="1"/>
+            <a:r>
+              <a:rPr lang="en-US" dirty="0">
+                <a:hlinkClick r:id="rId2"/>
+              </a:rPr>
+              <a:t>https://github.com/AguaClara/SWOT/wiki/Part-Studios</a:t>
+            </a:r>
+            <a:r>
+              <a:rPr lang="en-US" dirty="0"/>
+              <a:t> </a:t>
+            </a:r>
+          </a:p>
+        </p:txBody>
+      </p:sp>
+    </p:spTree>
+    <p:extLst>
+      <p:ext uri="{BB962C8B-B14F-4D97-AF65-F5344CB8AC3E}">
+        <p14:creationId xmlns:p14="http://schemas.microsoft.com/office/powerpoint/2010/main" val="3615551982"/>
+      </p:ext>
+    </p:extLst>
+  </p:cSld>
+  <p:clrMapOvr>
+    <a:masterClrMapping/>
+  </p:clrMapOvr>
+  <p:transition>
+    <p:fade/>
+  </p:transition>
+</p:sld>
+</file>
+
+<file path=ppt/slides/slide2.xml><?xml version="1.0" encoding="utf-8"?>
+<p:sld xmlns:a="http://schemas.openxmlformats.org/drawingml/2006/main" xmlns:r="http://schemas.openxmlformats.org/officeDocument/2006/relationships" xmlns:p="http://schemas.openxmlformats.org/presentationml/2006/main">
+  <p:cSld>
+    <p:spTree>
+      <p:nvGrpSpPr>
+        <p:cNvPr id="1" name=""/>
+        <p:cNvGrpSpPr/>
+        <p:nvPr/>
+      </p:nvGrpSpPr>
+      <p:grpSpPr>
+        <a:xfrm>
+          <a:off x="0" y="0"/>
+          <a:ext cx="0" cy="0"/>
+          <a:chOff x="0" y="0"/>
+          <a:chExt cx="0" cy="0"/>
+        </a:xfrm>
+      </p:grpSpPr>
+      <p:sp>
+        <p:nvSpPr>
+          <p:cNvPr id="2" name="Title 1">
+            <a:extLst>
+              <a:ext uri="{FF2B5EF4-FFF2-40B4-BE49-F238E27FC236}">
+                <a16:creationId xmlns:a16="http://schemas.microsoft.com/office/drawing/2014/main" id="{C1622D7F-83D0-4EB9-A53B-8D2A7AAB0E51}"/>
+              </a:ext>
+            </a:extLst>
+          </p:cNvPr>
+          <p:cNvSpPr>
+            <a:spLocks noGrp="1"/>
+          </p:cNvSpPr>
+          <p:nvPr>
+            <p:ph type="title"/>
+          </p:nvPr>
+        </p:nvSpPr>
+        <p:spPr/>
+        <p:txBody>
+          <a:bodyPr/>
+          <a:lstStyle/>
+          <a:p>
+            <a:r>
+              <a:rPr lang="en-US" dirty="0"/>
+              <a:t>Introductions of teaching staff</a:t>
+            </a:r>
+          </a:p>
+        </p:txBody>
+      </p:sp>
+      <p:sp>
+        <p:nvSpPr>
+          <p:cNvPr id="3" name="Content Placeholder 2">
+            <a:extLst>
+              <a:ext uri="{FF2B5EF4-FFF2-40B4-BE49-F238E27FC236}">
+                <a16:creationId xmlns:a16="http://schemas.microsoft.com/office/drawing/2014/main" id="{58E0A24E-A9DB-4EFD-A3C3-405C59B37FB4}"/>
+              </a:ext>
+            </a:extLst>
+          </p:cNvPr>
+          <p:cNvSpPr>
+            <a:spLocks noGrp="1"/>
+          </p:cNvSpPr>
+          <p:nvPr>
+            <p:ph idx="1"/>
+          </p:nvPr>
+        </p:nvSpPr>
+        <p:spPr/>
+        <p:txBody>
+          <a:bodyPr/>
+          <a:lstStyle/>
+          <a:p>
+            <a:pPr marL="0" indent="0">
+              <a:buNone/>
+            </a:pPr>
+            <a:endParaRPr lang="en-US" dirty="0"/>
+          </a:p>
+        </p:txBody>
+      </p:sp>
+    </p:spTree>
+    <p:extLst>
+      <p:ext uri="{BB962C8B-B14F-4D97-AF65-F5344CB8AC3E}">
+        <p14:creationId xmlns:p14="http://schemas.microsoft.com/office/powerpoint/2010/main" val="550273471"/>
+      </p:ext>
+    </p:extLst>
+  </p:cSld>
+  <p:clrMapOvr>
+    <a:masterClrMapping/>
+  </p:clrMapOvr>
+  <p:transition>
+    <p:fade/>
+  </p:transition>
+</p:sld>
+</file>
+
+<file path=ppt/slides/slide3.xml><?xml version="1.0" encoding="utf-8"?>
+<p:sld xmlns:a="http://schemas.openxmlformats.org/drawingml/2006/main" xmlns:r="http://schemas.openxmlformats.org/officeDocument/2006/relationships" xmlns:p="http://schemas.openxmlformats.org/presentationml/2006/main">
+  <p:cSld>
+    <p:spTree>
+      <p:nvGrpSpPr>
+        <p:cNvPr id="1" name=""/>
+        <p:cNvGrpSpPr/>
+        <p:nvPr/>
+      </p:nvGrpSpPr>
+      <p:grpSpPr>
+        <a:xfrm>
+          <a:off x="0" y="0"/>
+          <a:ext cx="0" cy="0"/>
+          <a:chOff x="0" y="0"/>
+          <a:chExt cx="0" cy="0"/>
+        </a:xfrm>
+      </p:grpSpPr>
+      <p:sp>
+        <p:nvSpPr>
+          <p:cNvPr id="56322" name="Rectangle 2"/>
+          <p:cNvSpPr>
+            <a:spLocks noGrp="1" noChangeArrowheads="1"/>
+          </p:cNvSpPr>
+          <p:nvPr>
+            <p:ph type="title"/>
+          </p:nvPr>
+        </p:nvSpPr>
+        <p:spPr/>
+        <p:txBody>
+          <a:bodyPr/>
+          <a:lstStyle/>
+          <a:p>
+            <a:r>
+              <a:rPr lang="en-US"/>
+              <a:t>Course Organization</a:t>
+            </a:r>
+            <a:endParaRPr lang="en-US" dirty="0"/>
+          </a:p>
+        </p:txBody>
+      </p:sp>
+      <p:sp>
+        <p:nvSpPr>
+          <p:cNvPr id="56323" name="Rectangle 3"/>
+          <p:cNvSpPr>
+            <a:spLocks noGrp="1" noChangeArrowheads="1"/>
+          </p:cNvSpPr>
+          <p:nvPr>
+            <p:ph idx="1"/>
+          </p:nvPr>
+        </p:nvSpPr>
+        <p:spPr/>
+        <p:txBody>
+          <a:bodyPr/>
+          <a:lstStyle/>
+          <a:p>
+            <a:r>
+              <a:rPr lang="en-US" sz="2700" dirty="0"/>
+              <a:t>SWOT wiki on </a:t>
+            </a:r>
+            <a:r>
+              <a:rPr lang="en-US" sz="2700" dirty="0" err="1"/>
+              <a:t>github</a:t>
+            </a:r>
+            <a:r>
+              <a:rPr lang="en-US" sz="2700" dirty="0"/>
+              <a:t>: home to everything</a:t>
+            </a:r>
+          </a:p>
+          <a:p>
+            <a:pPr lvl="1"/>
+            <a:r>
+              <a:rPr lang="en-US" sz="2200" dirty="0">
+                <a:hlinkClick r:id="rId3"/>
+              </a:rPr>
+              <a:t>https://github.com/AguaClara/SWOT/wiki/Syllabus-OSU</a:t>
+            </a:r>
+            <a:endParaRPr lang="en-US" sz="2200" dirty="0"/>
+          </a:p>
+          <a:p>
+            <a:pPr lvl="1"/>
+            <a:r>
+              <a:rPr lang="en-US" sz="2700" dirty="0"/>
+              <a:t>There is a textbook! </a:t>
+            </a:r>
+            <a:r>
+              <a:rPr lang="en-US" sz="2700" dirty="0">
+                <a:hlinkClick r:id="rId4"/>
+              </a:rPr>
+              <a:t>https://aguaclara.github.io/Textbook/</a:t>
+            </a:r>
+            <a:r>
+              <a:rPr lang="en-US" sz="2700" dirty="0"/>
+              <a:t> </a:t>
+            </a:r>
+          </a:p>
+          <a:p>
+            <a:r>
+              <a:rPr lang="en-US" sz="2700" dirty="0"/>
+              <a:t>View lectures and answer questions prior to class!</a:t>
+            </a:r>
+          </a:p>
+          <a:p>
+            <a:r>
+              <a:rPr lang="en-US" sz="2700" dirty="0"/>
+              <a:t>We will use class time for brief presentations and then work on assignments</a:t>
+            </a:r>
+          </a:p>
+          <a:p>
+            <a:r>
+              <a:rPr lang="en-US" sz="2700" dirty="0"/>
+              <a:t>Design Challenges</a:t>
+            </a:r>
+          </a:p>
+          <a:p>
+            <a:pPr lvl="1"/>
+            <a:r>
+              <a:rPr lang="en-US" sz="2300" dirty="0"/>
+              <a:t>Some are for each Individual and some are for teams</a:t>
+            </a:r>
+          </a:p>
+          <a:p>
+            <a:pPr lvl="1"/>
+            <a:r>
+              <a:rPr lang="en-US" sz="2300" dirty="0"/>
+              <a:t>Due on date listed on the course schedule/syllabus!!!!</a:t>
+            </a:r>
+          </a:p>
+        </p:txBody>
+      </p:sp>
+    </p:spTree>
+  </p:cSld>
+  <p:clrMapOvr>
+    <a:masterClrMapping/>
+  </p:clrMapOvr>
+  <p:transition>
+    <p:fade/>
+  </p:transition>
+</p:sld>
+</file>
+
+<file path=ppt/slides/slide4.xml><?xml version="1.0" encoding="utf-8"?>
+<p:sld xmlns:a="http://schemas.openxmlformats.org/drawingml/2006/main" xmlns:r="http://schemas.openxmlformats.org/officeDocument/2006/relationships" xmlns:p="http://schemas.openxmlformats.org/presentationml/2006/main">
+  <p:cSld>
+    <p:spTree>
+      <p:nvGrpSpPr>
+        <p:cNvPr id="1" name=""/>
+        <p:cNvGrpSpPr/>
+        <p:nvPr/>
+      </p:nvGrpSpPr>
+      <p:grpSpPr>
+        <a:xfrm>
+          <a:off x="0" y="0"/>
+          <a:ext cx="0" cy="0"/>
+          <a:chOff x="0" y="0"/>
+          <a:chExt cx="0" cy="0"/>
+        </a:xfrm>
+      </p:grpSpPr>
+      <p:sp>
+        <p:nvSpPr>
+          <p:cNvPr id="15362" name="Rectangle 2"/>
+          <p:cNvSpPr>
+            <a:spLocks noGrp="1" noChangeArrowheads="1"/>
+          </p:cNvSpPr>
+          <p:nvPr>
+            <p:ph type="title"/>
+          </p:nvPr>
+        </p:nvSpPr>
+        <p:spPr/>
+        <p:txBody>
+          <a:bodyPr/>
+          <a:lstStyle/>
+          <a:p>
+            <a:r>
+              <a:rPr lang="en-US"/>
+              <a:t>Why am I teaching this course?</a:t>
+            </a:r>
+          </a:p>
+        </p:txBody>
+      </p:sp>
+      <p:sp>
+        <p:nvSpPr>
+          <p:cNvPr id="15363" name="Rectangle 3"/>
+          <p:cNvSpPr>
+            <a:spLocks noGrp="1" noChangeArrowheads="1"/>
+          </p:cNvSpPr>
+          <p:nvPr>
+            <p:ph idx="1"/>
+          </p:nvPr>
+        </p:nvSpPr>
+        <p:spPr/>
+        <p:txBody>
+          <a:bodyPr/>
+          <a:lstStyle/>
+          <a:p>
+            <a:r>
+              <a:rPr lang="en-US" dirty="0"/>
+              <a:t>Experience in refugee camps in </a:t>
+            </a:r>
+            <a:br>
+              <a:rPr lang="en-US" dirty="0"/>
+            </a:br>
+            <a:r>
+              <a:rPr lang="en-US" dirty="0"/>
+              <a:t>Honduras in 1982-83</a:t>
+            </a:r>
+          </a:p>
+          <a:p>
+            <a:r>
+              <a:rPr lang="en-US" dirty="0"/>
+              <a:t>The spark of interest: What makes </a:t>
+            </a:r>
+            <a:br>
+              <a:rPr lang="en-US" dirty="0"/>
+            </a:br>
+            <a:r>
+              <a:rPr lang="en-US" dirty="0"/>
+              <a:t>slow sand filters work? (no one knew!)</a:t>
+            </a:r>
+          </a:p>
+          <a:p>
+            <a:r>
+              <a:rPr lang="en-US" dirty="0"/>
+              <a:t>Invitation to begin a water project in Latin America (12/2002)</a:t>
+            </a:r>
+          </a:p>
+          <a:p>
+            <a:r>
+              <a:rPr lang="en-US" dirty="0"/>
+              <a:t>The realization that what I had been taught wasn’t up to the challenge of solving the big global challenge of providing safe drinking water on tap to communities</a:t>
+            </a:r>
+          </a:p>
+          <a:p>
+            <a:r>
+              <a:rPr lang="en-US" dirty="0"/>
+              <a:t>I’ve been teaching this course since 2004 and it changes every time!</a:t>
+            </a:r>
+          </a:p>
+          <a:p>
+            <a:endParaRPr lang="en-US" dirty="0"/>
+          </a:p>
+        </p:txBody>
+      </p:sp>
+      <p:pic>
+        <p:nvPicPr>
+          <p:cNvPr id="15364" name="Picture 4" descr="Slide 8">
+            <a:hlinkClick r:id="rId3" action="ppaction://hlinksldjump"/>
+          </p:cNvPr>
+          <p:cNvPicPr>
+            <a:picLocks noChangeAspect="1" noChangeArrowheads="1"/>
+          </p:cNvPicPr>
+          <p:nvPr/>
+        </p:nvPicPr>
+        <p:blipFill>
+          <a:blip r:embed="rId4" cstate="print"/>
+          <a:srcRect/>
+          <a:stretch>
+            <a:fillRect/>
+          </a:stretch>
+        </p:blipFill>
+        <p:spPr bwMode="auto">
+          <a:xfrm>
+            <a:off x="8458200" y="1692442"/>
+            <a:ext cx="2735158" cy="2056795"/>
+          </a:xfrm>
+          <a:prstGeom prst="rect">
+            <a:avLst/>
+          </a:prstGeom>
+          <a:noFill/>
+        </p:spPr>
+      </p:pic>
+    </p:spTree>
+  </p:cSld>
+  <p:clrMapOvr>
+    <a:masterClrMapping/>
+  </p:clrMapOvr>
+  <p:transition>
+    <p:fade/>
+  </p:transition>
+</p:sld>
+</file>
+
+<file path=ppt/slides/slide5.xml><?xml version="1.0" encoding="utf-8"?>
+<p:sld xmlns:a="http://schemas.openxmlformats.org/drawingml/2006/main" xmlns:r="http://schemas.openxmlformats.org/officeDocument/2006/relationships" xmlns:p="http://schemas.openxmlformats.org/presentationml/2006/main">
+  <p:cSld>
+    <p:spTree>
+      <p:nvGrpSpPr>
+        <p:cNvPr id="1" name=""/>
+        <p:cNvGrpSpPr/>
+        <p:nvPr/>
+      </p:nvGrpSpPr>
+      <p:grpSpPr>
+        <a:xfrm>
+          <a:off x="0" y="0"/>
+          <a:ext cx="0" cy="0"/>
+          <a:chOff x="0" y="0"/>
+          <a:chExt cx="0" cy="0"/>
+        </a:xfrm>
+      </p:grpSpPr>
+      <p:pic>
+        <p:nvPicPr>
+          <p:cNvPr id="58370" name="Picture 2" descr="Slide 8"/>
+          <p:cNvPicPr>
+            <a:picLocks noChangeAspect="1" noChangeArrowheads="1"/>
+          </p:cNvPicPr>
+          <p:nvPr/>
+        </p:nvPicPr>
+        <p:blipFill>
+          <a:blip r:embed="rId3" cstate="print"/>
+          <a:srcRect/>
+          <a:stretch>
+            <a:fillRect/>
+          </a:stretch>
+        </p:blipFill>
+        <p:spPr bwMode="auto">
+          <a:xfrm>
+            <a:off x="0" y="-12701"/>
+            <a:ext cx="12192000" cy="9160933"/>
+          </a:xfrm>
+          <a:prstGeom prst="rect">
+            <a:avLst/>
+          </a:prstGeom>
+          <a:noFill/>
+        </p:spPr>
+      </p:pic>
+      <p:sp>
+        <p:nvSpPr>
+          <p:cNvPr id="58371" name="Rectangle 3"/>
+          <p:cNvSpPr>
+            <a:spLocks noGrp="1" noChangeArrowheads="1"/>
+          </p:cNvSpPr>
+          <p:nvPr>
+            <p:ph type="title"/>
+          </p:nvPr>
+        </p:nvSpPr>
+        <p:spPr/>
+        <p:txBody>
+          <a:bodyPr/>
+          <a:lstStyle/>
+          <a:p>
+            <a:r>
+              <a:rPr lang="en-US"/>
+              <a:t>Mesa Grande: Waiting for water</a:t>
+            </a:r>
+          </a:p>
+        </p:txBody>
+      </p:sp>
+    </p:spTree>
+  </p:cSld>
+  <p:clrMapOvr>
+    <a:masterClrMapping/>
+  </p:clrMapOvr>
+  <p:transition>
+    <p:fade/>
+  </p:transition>
+</p:sld>
+</file>
+
+<file path=ppt/slides/slide6.xml><?xml version="1.0" encoding="utf-8"?>
+<p:sld xmlns:a="http://schemas.openxmlformats.org/drawingml/2006/main" xmlns:r="http://schemas.openxmlformats.org/officeDocument/2006/relationships" xmlns:p="http://schemas.openxmlformats.org/presentationml/2006/main">
+  <p:cSld>
+    <p:spTree>
+      <p:nvGrpSpPr>
+        <p:cNvPr id="1" name=""/>
+        <p:cNvGrpSpPr/>
+        <p:nvPr/>
+      </p:nvGrpSpPr>
+      <p:grpSpPr>
+        <a:xfrm>
+          <a:off x="0" y="0"/>
+          <a:ext cx="0" cy="0"/>
+          <a:chOff x="0" y="0"/>
+          <a:chExt cx="0" cy="0"/>
+        </a:xfrm>
+      </p:grpSpPr>
+      <p:sp>
+        <p:nvSpPr>
+          <p:cNvPr id="60418" name="Rectangle 2"/>
+          <p:cNvSpPr>
+            <a:spLocks noGrp="1" noChangeArrowheads="1"/>
+          </p:cNvSpPr>
+          <p:nvPr>
+            <p:ph type="title"/>
+          </p:nvPr>
+        </p:nvSpPr>
+        <p:spPr/>
+        <p:txBody>
+          <a:bodyPr/>
+          <a:lstStyle/>
+          <a:p>
+            <a:r>
+              <a:rPr lang="en-US"/>
+              <a:t>Water in Colomoncagua</a:t>
+            </a:r>
+          </a:p>
+        </p:txBody>
+      </p:sp>
+      <p:pic>
+        <p:nvPicPr>
+          <p:cNvPr id="60419" name="Picture 3" descr="Slide 1"/>
+          <p:cNvPicPr>
+            <a:picLocks noChangeAspect="1" noChangeArrowheads="1"/>
+          </p:cNvPicPr>
+          <p:nvPr/>
+        </p:nvPicPr>
+        <p:blipFill>
+          <a:blip r:embed="rId3" cstate="print"/>
+          <a:srcRect/>
+          <a:stretch>
+            <a:fillRect/>
+          </a:stretch>
+        </p:blipFill>
+        <p:spPr bwMode="auto">
+          <a:xfrm>
+            <a:off x="0" y="-3175"/>
+            <a:ext cx="12192000" cy="9148233"/>
+          </a:xfrm>
+          <a:prstGeom prst="rect">
+            <a:avLst/>
+          </a:prstGeom>
+          <a:noFill/>
+        </p:spPr>
+      </p:pic>
+    </p:spTree>
+  </p:cSld>
+  <p:clrMapOvr>
+    <a:masterClrMapping/>
+  </p:clrMapOvr>
+  <p:transition>
+    <p:fade/>
+  </p:transition>
+</p:sld>
+</file>
+
+<file path=ppt/slides/slide7.xml><?xml version="1.0" encoding="utf-8"?>
+<p:sld xmlns:a="http://schemas.openxmlformats.org/drawingml/2006/main" xmlns:r="http://schemas.openxmlformats.org/officeDocument/2006/relationships" xmlns:p="http://schemas.openxmlformats.org/presentationml/2006/main">
+  <p:cSld>
+    <p:spTree>
+      <p:nvGrpSpPr>
+        <p:cNvPr id="1" name=""/>
+        <p:cNvGrpSpPr/>
+        <p:nvPr/>
+      </p:nvGrpSpPr>
+      <p:grpSpPr>
+        <a:xfrm>
+          <a:off x="0" y="0"/>
+          <a:ext cx="0" cy="0"/>
+          <a:chOff x="0" y="0"/>
+          <a:chExt cx="0" cy="0"/>
+        </a:xfrm>
+      </p:grpSpPr>
+      <p:sp>
+        <p:nvSpPr>
+          <p:cNvPr id="62466" name="Rectangle 2"/>
+          <p:cNvSpPr>
+            <a:spLocks noGrp="1" noChangeArrowheads="1"/>
+          </p:cNvSpPr>
+          <p:nvPr>
+            <p:ph type="title"/>
+          </p:nvPr>
+        </p:nvSpPr>
+        <p:spPr/>
+        <p:txBody>
+          <a:bodyPr/>
+          <a:lstStyle/>
+          <a:p>
+            <a:endParaRPr lang="es-HN"/>
+          </a:p>
+        </p:txBody>
+      </p:sp>
+      <p:sp>
+        <p:nvSpPr>
+          <p:cNvPr id="62467" name="Rectangle 3"/>
+          <p:cNvSpPr>
+            <a:spLocks noGrp="1" noChangeArrowheads="1"/>
+          </p:cNvSpPr>
+          <p:nvPr>
+            <p:ph idx="1"/>
+          </p:nvPr>
+        </p:nvSpPr>
+        <p:spPr/>
+        <p:txBody>
+          <a:bodyPr/>
+          <a:lstStyle/>
+          <a:p>
+            <a:endParaRPr lang="es-HN"/>
+          </a:p>
+        </p:txBody>
+      </p:sp>
+      <p:pic>
+        <p:nvPicPr>
+          <p:cNvPr id="62468" name="Picture 4"/>
+          <p:cNvPicPr>
+            <a:picLocks noChangeAspect="1" noChangeArrowheads="1"/>
+          </p:cNvPicPr>
+          <p:nvPr/>
+        </p:nvPicPr>
+        <p:blipFill>
+          <a:blip r:embed="rId3" cstate="print"/>
+          <a:srcRect/>
+          <a:stretch>
+            <a:fillRect/>
+          </a:stretch>
+        </p:blipFill>
+        <p:spPr bwMode="auto">
+          <a:xfrm>
+            <a:off x="0" y="0"/>
+            <a:ext cx="12192000" cy="9144000"/>
+          </a:xfrm>
+          <a:prstGeom prst="rect">
+            <a:avLst/>
+          </a:prstGeom>
+          <a:noFill/>
+          <a:ln w="12700">
+            <a:noFill/>
+            <a:miter lim="800000"/>
+            <a:headEnd type="none" w="lg" len="med"/>
+            <a:tailEnd type="none" w="lg" len="med"/>
+          </a:ln>
+          <a:effectLst/>
+        </p:spPr>
+      </p:pic>
+    </p:spTree>
+  </p:cSld>
+  <p:clrMapOvr>
+    <a:masterClrMapping/>
+  </p:clrMapOvr>
+  <p:transition>
+    <p:fade/>
+  </p:transition>
+</p:sld>
+</file>
+
+<file path=ppt/slides/slide8.xml><?xml version="1.0" encoding="utf-8"?>
+<p:sld xmlns:a="http://schemas.openxmlformats.org/drawingml/2006/main" xmlns:r="http://schemas.openxmlformats.org/officeDocument/2006/relationships" xmlns:p="http://schemas.openxmlformats.org/presentationml/2006/main">
+  <p:cSld>
+    <p:spTree>
+      <p:nvGrpSpPr>
+        <p:cNvPr id="1" name=""/>
+        <p:cNvGrpSpPr/>
+        <p:nvPr/>
+      </p:nvGrpSpPr>
+      <p:grpSpPr>
+        <a:xfrm>
+          <a:off x="0" y="0"/>
+          <a:ext cx="0" cy="0"/>
+          <a:chOff x="0" y="0"/>
+          <a:chExt cx="0" cy="0"/>
+        </a:xfrm>
+      </p:grpSpPr>
+      <p:sp>
+        <p:nvSpPr>
+          <p:cNvPr id="64514" name="Rectangle 2"/>
+          <p:cNvSpPr>
+            <a:spLocks noGrp="1" noChangeArrowheads="1"/>
+          </p:cNvSpPr>
+          <p:nvPr>
+            <p:ph type="title"/>
+          </p:nvPr>
+        </p:nvSpPr>
+        <p:spPr/>
+        <p:txBody>
+          <a:bodyPr/>
+          <a:lstStyle/>
+          <a:p>
+            <a:endParaRPr lang="es-HN"/>
+          </a:p>
+        </p:txBody>
+      </p:sp>
+      <p:sp>
+        <p:nvSpPr>
+          <p:cNvPr id="64515" name="Rectangle 3"/>
+          <p:cNvSpPr>
+            <a:spLocks noGrp="1" noChangeArrowheads="1"/>
+          </p:cNvSpPr>
+          <p:nvPr>
+            <p:ph idx="1"/>
+          </p:nvPr>
+        </p:nvSpPr>
+        <p:spPr/>
+        <p:txBody>
+          <a:bodyPr/>
+          <a:lstStyle/>
+          <a:p>
+            <a:endParaRPr lang="es-HN"/>
+          </a:p>
+        </p:txBody>
+      </p:sp>
+      <p:pic>
+        <p:nvPicPr>
+          <p:cNvPr id="64516" name="Picture 4"/>
+          <p:cNvPicPr>
+            <a:picLocks noChangeAspect="1" noChangeArrowheads="1"/>
+          </p:cNvPicPr>
+          <p:nvPr/>
+        </p:nvPicPr>
+        <p:blipFill>
+          <a:blip r:embed="rId3" cstate="print"/>
+          <a:srcRect/>
+          <a:stretch>
+            <a:fillRect/>
+          </a:stretch>
+        </p:blipFill>
+        <p:spPr bwMode="auto">
+          <a:xfrm>
+            <a:off x="0" y="0"/>
+            <a:ext cx="12192000" cy="9144000"/>
+          </a:xfrm>
+          <a:prstGeom prst="rect">
+            <a:avLst/>
+          </a:prstGeom>
+          <a:noFill/>
+          <a:ln w="12700">
+            <a:noFill/>
+            <a:miter lim="800000"/>
+            <a:headEnd type="none" w="lg" len="med"/>
+            <a:tailEnd type="none" w="lg" len="med"/>
+          </a:ln>
+          <a:effectLst/>
+        </p:spPr>
+      </p:pic>
+    </p:spTree>
+  </p:cSld>
+  <p:clrMapOvr>
+    <a:masterClrMapping/>
+  </p:clrMapOvr>
+  <p:transition>
+    <p:fade/>
+  </p:transition>
+</p:sld>
+</file>
+
+<file path=ppt/slides/slide9.xml><?xml version="1.0" encoding="utf-8"?>
+<p:sld xmlns:a="http://schemas.openxmlformats.org/drawingml/2006/main" xmlns:r="http://schemas.openxmlformats.org/officeDocument/2006/relationships" xmlns:p="http://schemas.openxmlformats.org/presentationml/2006/main">
+  <p:cSld>
+    <p:spTree>
+      <p:nvGrpSpPr>
+        <p:cNvPr id="1" name=""/>
+        <p:cNvGrpSpPr/>
+        <p:nvPr/>
+      </p:nvGrpSpPr>
+      <p:grpSpPr>
+        <a:xfrm>
+          <a:off x="0" y="0"/>
+          <a:ext cx="0" cy="0"/>
+          <a:chOff x="0" y="0"/>
+          <a:chExt cx="0" cy="0"/>
+        </a:xfrm>
+      </p:grpSpPr>
+      <p:sp>
+        <p:nvSpPr>
+          <p:cNvPr id="66562" name="Rectangle 2"/>
+          <p:cNvSpPr>
+            <a:spLocks noGrp="1" noChangeArrowheads="1"/>
+          </p:cNvSpPr>
+          <p:nvPr>
+            <p:ph type="title"/>
+          </p:nvPr>
+        </p:nvSpPr>
+        <p:spPr/>
+        <p:txBody>
+          <a:bodyPr/>
+          <a:lstStyle/>
+          <a:p>
+            <a:endParaRPr lang="es-HN"/>
+          </a:p>
+        </p:txBody>
+      </p:sp>
+      <p:sp>
+        <p:nvSpPr>
+          <p:cNvPr id="66563" name="Rectangle 3"/>
+          <p:cNvSpPr>
+            <a:spLocks noGrp="1" noChangeArrowheads="1"/>
+          </p:cNvSpPr>
+          <p:nvPr>
+            <p:ph idx="1"/>
+          </p:nvPr>
+        </p:nvSpPr>
+        <p:spPr/>
+        <p:txBody>
+          <a:bodyPr/>
+          <a:lstStyle/>
+          <a:p>
+            <a:endParaRPr lang="es-HN"/>
+          </a:p>
+        </p:txBody>
+      </p:sp>
+      <p:pic>
+        <p:nvPicPr>
+          <p:cNvPr id="66564" name="Picture 4"/>
+          <p:cNvPicPr>
+            <a:picLocks noChangeAspect="1" noChangeArrowheads="1"/>
+          </p:cNvPicPr>
+          <p:nvPr/>
+        </p:nvPicPr>
+        <p:blipFill>
+          <a:blip r:embed="rId3" cstate="print"/>
+          <a:srcRect/>
+          <a:stretch>
+            <a:fillRect/>
+          </a:stretch>
+        </p:blipFill>
+        <p:spPr bwMode="auto">
+          <a:xfrm>
+            <a:off x="0" y="0"/>
+            <a:ext cx="12192000" cy="9144000"/>
+          </a:xfrm>
+          <a:prstGeom prst="rect">
+            <a:avLst/>
+          </a:prstGeom>
+          <a:noFill/>
+          <a:ln w="12700">
+            <a:noFill/>
+            <a:miter lim="800000"/>
+            <a:headEnd type="none" w="lg" len="med"/>
+            <a:tailEnd type="none" w="lg" len="med"/>
+          </a:ln>
+          <a:effectLst/>
+        </p:spPr>
+      </p:pic>
+    </p:spTree>
+  </p:cSld>
+  <p:clrMapOvr>
+    <a:masterClrMapping/>
+  </p:clrMapOvr>
+  <p:transition>
+    <p:fade/>
+  </p:transition>
 </p:sld>
 </file>
 

--- a/Discussions/Introduction.pptx
+++ b/Discussions/Introduction.pptx
@@ -3140,7 +3140,7 @@
           <a:p>
             <a:fld id="{216E0E02-55D8-4A62-964B-783B05293A72}" type="datetimeFigureOut">
               <a:rPr lang="es-HN" smtClean="0"/>
-              <a:t>10/1/2023</a:t>
+              <a:t>17/1/2023</a:t>
             </a:fld>
             <a:endParaRPr lang="es-HN"/>
           </a:p>
@@ -4121,10 +4121,7 @@
             <a:br>
               <a:rPr lang="en-US" sz="4800" dirty="0"/>
             </a:br>
-            <a:r>
-              <a:rPr lang="en-US" sz="4800" dirty="0"/>
-              <a:t>CIVILENG 5610.02</a:t>
-            </a:r>
+            <a:endParaRPr lang="en-US" sz="4800" dirty="0"/>
           </a:p>
         </p:txBody>
       </p:sp>
@@ -4993,9 +4990,12 @@
               <a:rPr lang="en-US" sz="2200" dirty="0">
                 <a:hlinkClick r:id="rId3"/>
               </a:rPr>
-              <a:t>https://github.com/AguaClara/SWOT/wiki/Syllabus-OSU</a:t>
-            </a:r>
-            <a:endParaRPr lang="en-US" sz="2200" dirty="0"/>
+              <a:t>https://github.com/AguaClara/SWOT/wiki/</a:t>
+            </a:r>
+            <a:r>
+              <a:rPr lang="en-US" sz="2200" dirty="0"/>
+              <a:t> </a:t>
+            </a:r>
           </a:p>
           <a:p>
             <a:pPr lvl="1"/>
